--- a/ChunkReplacement.pptx
+++ b/ChunkReplacement.pptx
@@ -25,8 +25,10 @@
     <p:sldId id="273" r:id="rId19"/>
     <p:sldId id="274" r:id="rId20"/>
     <p:sldId id="275" r:id="rId21"/>
-    <p:sldId id="276" r:id="rId22"/>
-    <p:sldId id="277" r:id="rId23"/>
+    <p:sldId id="278" r:id="rId22"/>
+    <p:sldId id="279" r:id="rId23"/>
+    <p:sldId id="276" r:id="rId24"/>
+    <p:sldId id="277" r:id="rId25"/>
   </p:sldIdLst>
   <p:sldSz cx="12192000" cy="6858000"/>
   <p:notesSz cx="6858000" cy="9144000"/>
@@ -4492,6 +4494,358 @@
           <a:lstStyle/>
           <a:p>
             <a:r>
+              <a:rPr lang="de-DE" dirty="0" smtClean="0"/>
+              <a:t>Alternativer Ablauf erweitert(1)</a:t>
+            </a:r>
+            <a:endParaRPr lang="de-DE" dirty="0"/>
+          </a:p>
+        </p:txBody>
+      </p:sp>
+      <p:sp>
+        <p:nvSpPr>
+          <p:cNvPr id="3" name="Inhaltsplatzhalter 2"/>
+          <p:cNvSpPr>
+            <a:spLocks noGrp="1"/>
+          </p:cNvSpPr>
+          <p:nvPr>
+            <p:ph idx="1"/>
+          </p:nvPr>
+        </p:nvSpPr>
+        <p:spPr/>
+        <p:txBody>
+          <a:bodyPr/>
+          <a:lstStyle/>
+          <a:p>
+            <a:r>
+              <a:rPr lang="de-DE" dirty="0" smtClean="0"/>
+              <a:t>Masterbranch -&gt; enthält weiterhin die geteilten Services aber keine </a:t>
+            </a:r>
+            <a:r>
+              <a:rPr lang="de-DE" dirty="0" err="1" smtClean="0"/>
+              <a:t>Stubs</a:t>
+            </a:r>
+            <a:endParaRPr lang="de-DE" dirty="0" smtClean="0"/>
+          </a:p>
+          <a:p>
+            <a:r>
+              <a:rPr lang="de-DE" dirty="0" err="1" smtClean="0"/>
+              <a:t>FeatureBranch</a:t>
+            </a:r>
+            <a:r>
+              <a:rPr lang="de-DE" dirty="0" smtClean="0"/>
+              <a:t>-&gt; </a:t>
+            </a:r>
+            <a:r>
+              <a:rPr lang="de-DE" dirty="0" err="1" smtClean="0"/>
+              <a:t>Geforked</a:t>
+            </a:r>
+            <a:r>
+              <a:rPr lang="de-DE" dirty="0" smtClean="0"/>
+              <a:t> von Master, erweitert den Master zuerst mit einem </a:t>
+            </a:r>
+            <a:r>
+              <a:rPr lang="de-DE" dirty="0" err="1" smtClean="0"/>
+              <a:t>Stub</a:t>
+            </a:r>
+            <a:r>
+              <a:rPr lang="de-DE" dirty="0" smtClean="0"/>
+              <a:t> und anschließend mit der Funktionalität</a:t>
+            </a:r>
+          </a:p>
+          <a:p>
+            <a:r>
+              <a:rPr lang="de-DE" dirty="0" err="1" smtClean="0"/>
+              <a:t>StubBranch</a:t>
+            </a:r>
+            <a:r>
+              <a:rPr lang="de-DE" dirty="0" smtClean="0"/>
+              <a:t> -&gt; </a:t>
+            </a:r>
+            <a:r>
+              <a:rPr lang="de-DE" dirty="0" err="1" smtClean="0"/>
+              <a:t>Geforked</a:t>
+            </a:r>
+            <a:r>
+              <a:rPr lang="de-DE" dirty="0" smtClean="0"/>
+              <a:t> von Master, bei jeder Änderung am Master </a:t>
+            </a:r>
+            <a:r>
+              <a:rPr lang="de-DE" dirty="0" err="1" smtClean="0"/>
+              <a:t>rebase</a:t>
+            </a:r>
+            <a:r>
+              <a:rPr lang="de-DE" dirty="0" smtClean="0"/>
+              <a:t>, enthält alle </a:t>
+            </a:r>
+            <a:r>
+              <a:rPr lang="de-DE" dirty="0" err="1" smtClean="0"/>
+              <a:t>Stubs</a:t>
+            </a:r>
+            <a:r>
+              <a:rPr lang="de-DE" dirty="0" smtClean="0"/>
+              <a:t> der Module, anlegen neues Feature </a:t>
+            </a:r>
+            <a:r>
+              <a:rPr lang="de-DE" dirty="0" err="1" smtClean="0"/>
+              <a:t>branches</a:t>
+            </a:r>
+            <a:r>
+              <a:rPr lang="de-DE" dirty="0" smtClean="0"/>
+              <a:t> -&gt; nachdem </a:t>
+            </a:r>
+            <a:r>
+              <a:rPr lang="de-DE" dirty="0" err="1" smtClean="0"/>
+              <a:t>Stub</a:t>
+            </a:r>
+            <a:r>
+              <a:rPr lang="de-DE" dirty="0" smtClean="0"/>
+              <a:t> angelegt ist wird der </a:t>
+            </a:r>
+            <a:r>
+              <a:rPr lang="de-DE" dirty="0" err="1" smtClean="0"/>
+              <a:t>Feautre</a:t>
+            </a:r>
+            <a:r>
+              <a:rPr lang="de-DE" dirty="0" smtClean="0"/>
+              <a:t> </a:t>
+            </a:r>
+            <a:r>
+              <a:rPr lang="de-DE" dirty="0" err="1" smtClean="0"/>
+              <a:t>branch</a:t>
+            </a:r>
+            <a:r>
+              <a:rPr lang="de-DE" dirty="0" smtClean="0"/>
+              <a:t> in den </a:t>
+            </a:r>
+            <a:r>
+              <a:rPr lang="de-DE" dirty="0" err="1" smtClean="0"/>
+              <a:t>Stub</a:t>
+            </a:r>
+            <a:r>
+              <a:rPr lang="de-DE" dirty="0" smtClean="0"/>
+              <a:t> </a:t>
+            </a:r>
+            <a:r>
+              <a:rPr lang="de-DE" dirty="0" err="1" smtClean="0"/>
+              <a:t>branch</a:t>
+            </a:r>
+            <a:r>
+              <a:rPr lang="de-DE" dirty="0" smtClean="0"/>
+              <a:t> </a:t>
+            </a:r>
+            <a:r>
+              <a:rPr lang="de-DE" dirty="0" err="1" smtClean="0"/>
+              <a:t>gemerged</a:t>
+            </a:r>
+            <a:endParaRPr lang="de-DE" dirty="0" smtClean="0"/>
+          </a:p>
+        </p:txBody>
+      </p:sp>
+    </p:spTree>
+    <p:extLst>
+      <p:ext uri="{BB962C8B-B14F-4D97-AF65-F5344CB8AC3E}">
+        <p14:creationId xmlns:p14="http://schemas.microsoft.com/office/powerpoint/2010/main" val="3297656250"/>
+      </p:ext>
+    </p:extLst>
+  </p:cSld>
+  <p:clrMapOvr>
+    <a:masterClrMapping/>
+  </p:clrMapOvr>
+</p:sld>
+</file>
+
+<file path=ppt/slides/slide22.xml><?xml version="1.0" encoding="utf-8"?>
+<p:sld xmlns:a="http://schemas.openxmlformats.org/drawingml/2006/main" xmlns:r="http://schemas.openxmlformats.org/officeDocument/2006/relationships" xmlns:p="http://schemas.openxmlformats.org/presentationml/2006/main">
+  <p:cSld>
+    <p:spTree>
+      <p:nvGrpSpPr>
+        <p:cNvPr id="1" name=""/>
+        <p:cNvGrpSpPr/>
+        <p:nvPr/>
+      </p:nvGrpSpPr>
+      <p:grpSpPr>
+        <a:xfrm>
+          <a:off x="0" y="0"/>
+          <a:ext cx="0" cy="0"/>
+          <a:chOff x="0" y="0"/>
+          <a:chExt cx="0" cy="0"/>
+        </a:xfrm>
+      </p:grpSpPr>
+      <p:sp>
+        <p:nvSpPr>
+          <p:cNvPr id="2" name="Titel 1"/>
+          <p:cNvSpPr>
+            <a:spLocks noGrp="1"/>
+          </p:cNvSpPr>
+          <p:nvPr>
+            <p:ph type="title"/>
+          </p:nvPr>
+        </p:nvSpPr>
+        <p:spPr/>
+        <p:txBody>
+          <a:bodyPr/>
+          <a:lstStyle/>
+          <a:p>
+            <a:r>
+              <a:rPr lang="de-DE" dirty="0"/>
+              <a:t>Alternativer Ablauf </a:t>
+            </a:r>
+            <a:r>
+              <a:rPr lang="de-DE" dirty="0" smtClean="0"/>
+              <a:t>erweitert(2)</a:t>
+            </a:r>
+            <a:endParaRPr lang="de-DE" dirty="0"/>
+          </a:p>
+        </p:txBody>
+      </p:sp>
+      <p:sp>
+        <p:nvSpPr>
+          <p:cNvPr id="3" name="Inhaltsplatzhalter 2"/>
+          <p:cNvSpPr>
+            <a:spLocks noGrp="1"/>
+          </p:cNvSpPr>
+          <p:nvPr>
+            <p:ph idx="1"/>
+          </p:nvPr>
+        </p:nvSpPr>
+        <p:spPr/>
+        <p:txBody>
+          <a:bodyPr/>
+          <a:lstStyle/>
+          <a:p>
+            <a:r>
+              <a:rPr lang="de-DE" dirty="0" smtClean="0"/>
+              <a:t>Nachteil:</a:t>
+            </a:r>
+          </a:p>
+          <a:p>
+            <a:pPr lvl="1"/>
+            <a:r>
+              <a:rPr lang="de-DE" dirty="0" smtClean="0"/>
+              <a:t>Erhöhter Aufwand beim erstellen neuer Features</a:t>
+            </a:r>
+          </a:p>
+          <a:p>
+            <a:pPr lvl="1"/>
+            <a:r>
+              <a:rPr lang="de-DE" dirty="0" smtClean="0"/>
+              <a:t>Erst </a:t>
+            </a:r>
+            <a:r>
+              <a:rPr lang="de-DE" dirty="0" err="1" smtClean="0"/>
+              <a:t>Stub</a:t>
+            </a:r>
+            <a:r>
+              <a:rPr lang="de-DE" dirty="0" smtClean="0"/>
+              <a:t> erstellen dann </a:t>
+            </a:r>
+            <a:r>
+              <a:rPr lang="de-DE" dirty="0" err="1" smtClean="0"/>
+              <a:t>Mergen</a:t>
+            </a:r>
+            <a:r>
+              <a:rPr lang="de-DE" dirty="0" smtClean="0"/>
+              <a:t> etc.</a:t>
+            </a:r>
+          </a:p>
+          <a:p>
+            <a:r>
+              <a:rPr lang="de-DE" dirty="0" smtClean="0"/>
+              <a:t>Vorteil</a:t>
+            </a:r>
+          </a:p>
+          <a:p>
+            <a:pPr lvl="1"/>
+            <a:r>
+              <a:rPr lang="de-DE" dirty="0" err="1" smtClean="0"/>
+              <a:t>Featurebranches</a:t>
+            </a:r>
+            <a:r>
+              <a:rPr lang="de-DE" dirty="0" smtClean="0"/>
+              <a:t> enthalten nicht die </a:t>
+            </a:r>
+            <a:r>
+              <a:rPr lang="de-DE" dirty="0" err="1" smtClean="0"/>
+              <a:t>Stubs</a:t>
+            </a:r>
+            <a:r>
+              <a:rPr lang="de-DE" dirty="0" smtClean="0"/>
+              <a:t> anderer </a:t>
+            </a:r>
+            <a:r>
+              <a:rPr lang="de-DE" dirty="0" err="1" smtClean="0"/>
+              <a:t>Branches</a:t>
+            </a:r>
+            <a:endParaRPr lang="de-DE" dirty="0" smtClean="0"/>
+          </a:p>
+          <a:p>
+            <a:pPr lvl="1"/>
+            <a:r>
+              <a:rPr lang="de-DE" dirty="0" smtClean="0"/>
+              <a:t>Weniger </a:t>
+            </a:r>
+            <a:r>
+              <a:rPr lang="de-DE" dirty="0" err="1" smtClean="0"/>
+              <a:t>overhead</a:t>
+            </a:r>
+            <a:r>
+              <a:rPr lang="de-DE" dirty="0" smtClean="0"/>
+              <a:t> </a:t>
+            </a:r>
+            <a:r>
+              <a:rPr lang="de-DE" smtClean="0"/>
+              <a:t>beim Bauen</a:t>
+            </a:r>
+            <a:endParaRPr lang="de-DE"/>
+          </a:p>
+        </p:txBody>
+      </p:sp>
+    </p:spTree>
+    <p:extLst>
+      <p:ext uri="{BB962C8B-B14F-4D97-AF65-F5344CB8AC3E}">
+        <p14:creationId xmlns:p14="http://schemas.microsoft.com/office/powerpoint/2010/main" val="2914773410"/>
+      </p:ext>
+    </p:extLst>
+  </p:cSld>
+  <p:clrMapOvr>
+    <a:masterClrMapping/>
+  </p:clrMapOvr>
+</p:sld>
+</file>
+
+<file path=ppt/slides/slide23.xml><?xml version="1.0" encoding="utf-8"?>
+<p:sld xmlns:a="http://schemas.openxmlformats.org/drawingml/2006/main" xmlns:r="http://schemas.openxmlformats.org/officeDocument/2006/relationships" xmlns:p="http://schemas.openxmlformats.org/presentationml/2006/main">
+  <p:cSld>
+    <p:spTree>
+      <p:nvGrpSpPr>
+        <p:cNvPr id="1" name=""/>
+        <p:cNvGrpSpPr/>
+        <p:nvPr/>
+      </p:nvGrpSpPr>
+      <p:grpSpPr>
+        <a:xfrm>
+          <a:off x="0" y="0"/>
+          <a:ext cx="0" cy="0"/>
+          <a:chOff x="0" y="0"/>
+          <a:chExt cx="0" cy="0"/>
+        </a:xfrm>
+      </p:grpSpPr>
+      <p:sp>
+        <p:nvSpPr>
+          <p:cNvPr id="2" name="Titel 1"/>
+          <p:cNvSpPr>
+            <a:spLocks noGrp="1"/>
+          </p:cNvSpPr>
+          <p:nvPr>
+            <p:ph type="title"/>
+          </p:nvPr>
+        </p:nvSpPr>
+        <p:spPr/>
+        <p:txBody>
+          <a:bodyPr/>
+          <a:lstStyle/>
+          <a:p>
+            <a:r>
               <a:rPr lang="de-DE" dirty="0"/>
               <a:t>Problem </a:t>
             </a:r>
@@ -4647,7 +5001,7 @@
 </p:sld>
 </file>
 
-<file path=ppt/slides/slide22.xml><?xml version="1.0" encoding="utf-8"?>
+<file path=ppt/slides/slide24.xml><?xml version="1.0" encoding="utf-8"?>
 <p:sld xmlns:a="http://schemas.openxmlformats.org/drawingml/2006/main" xmlns:r="http://schemas.openxmlformats.org/officeDocument/2006/relationships" xmlns:p="http://schemas.openxmlformats.org/presentationml/2006/main">
   <p:cSld>
     <p:spTree>
@@ -5167,11 +5521,7 @@
           <a:p>
             <a:r>
               <a:rPr lang="de-DE" dirty="0" smtClean="0"/>
-              <a:t>Neubau der gesamten Anwendung, damit die Referenzen auch angepasst </a:t>
-            </a:r>
-            <a:r>
-              <a:rPr lang="de-DE" dirty="0" smtClean="0"/>
-              <a:t>werden</a:t>
+              <a:t>Neubau der gesamten Anwendung, damit die Referenzen auch angepasst werden</a:t>
             </a:r>
           </a:p>
           <a:p>
@@ -5829,11 +6179,7 @@
             </a:r>
             <a:r>
               <a:rPr lang="de-DE" dirty="0" smtClean="0"/>
-              <a:t> </a:t>
-            </a:r>
-            <a:r>
-              <a:rPr lang="de-DE" dirty="0" smtClean="0"/>
-              <a:t>der </a:t>
+              <a:t> der </a:t>
             </a:r>
             <a:r>
               <a:rPr lang="de-DE" dirty="0" err="1" smtClean="0"/>
@@ -5843,7 +6189,6 @@
               <a:rPr lang="de-DE" dirty="0" smtClean="0"/>
               <a:t> welche die neuen Services/Bibliotheken brauchen</a:t>
             </a:r>
-            <a:endParaRPr lang="de-DE" dirty="0" smtClean="0"/>
           </a:p>
           <a:p>
             <a:r>

--- a/ChunkReplacement.pptx
+++ b/ChunkReplacement.pptx
@@ -8,27 +8,26 @@
     <p:sldId id="256" r:id="rId2"/>
     <p:sldId id="257" r:id="rId3"/>
     <p:sldId id="258" r:id="rId4"/>
-    <p:sldId id="259" r:id="rId5"/>
-    <p:sldId id="260" r:id="rId6"/>
-    <p:sldId id="261" r:id="rId7"/>
-    <p:sldId id="262" r:id="rId8"/>
-    <p:sldId id="263" r:id="rId9"/>
-    <p:sldId id="264" r:id="rId10"/>
-    <p:sldId id="265" r:id="rId11"/>
-    <p:sldId id="266" r:id="rId12"/>
-    <p:sldId id="267" r:id="rId13"/>
+    <p:sldId id="261" r:id="rId5"/>
+    <p:sldId id="262" r:id="rId6"/>
+    <p:sldId id="263" r:id="rId7"/>
+    <p:sldId id="264" r:id="rId8"/>
+    <p:sldId id="265" r:id="rId9"/>
+    <p:sldId id="267" r:id="rId10"/>
+    <p:sldId id="280" r:id="rId11"/>
+    <p:sldId id="282" r:id="rId12"/>
+    <p:sldId id="281" r:id="rId13"/>
     <p:sldId id="268" r:id="rId14"/>
-    <p:sldId id="269" r:id="rId15"/>
-    <p:sldId id="270" r:id="rId16"/>
-    <p:sldId id="271" r:id="rId17"/>
-    <p:sldId id="272" r:id="rId18"/>
-    <p:sldId id="273" r:id="rId19"/>
-    <p:sldId id="274" r:id="rId20"/>
-    <p:sldId id="275" r:id="rId21"/>
-    <p:sldId id="278" r:id="rId22"/>
-    <p:sldId id="279" r:id="rId23"/>
-    <p:sldId id="276" r:id="rId24"/>
-    <p:sldId id="277" r:id="rId25"/>
+    <p:sldId id="271" r:id="rId15"/>
+    <p:sldId id="272" r:id="rId16"/>
+    <p:sldId id="273" r:id="rId17"/>
+    <p:sldId id="274" r:id="rId18"/>
+    <p:sldId id="275" r:id="rId19"/>
+    <p:sldId id="283" r:id="rId20"/>
+    <p:sldId id="278" r:id="rId21"/>
+    <p:sldId id="276" r:id="rId22"/>
+    <p:sldId id="277" r:id="rId23"/>
+    <p:sldId id="284" r:id="rId24"/>
   </p:sldIdLst>
   <p:sldSz cx="12192000" cy="6858000"/>
   <p:notesSz cx="6858000" cy="9144000"/>
@@ -266,7 +265,7 @@
           <a:p>
             <a:fld id="{E06F45A8-75E7-456F-B936-9A87269FD079}" type="datetimeFigureOut">
               <a:rPr lang="de-DE" smtClean="0"/>
-              <a:t>21.12.2017</a:t>
+              <a:t>08.01.2018</a:t>
             </a:fld>
             <a:endParaRPr lang="de-DE"/>
           </a:p>
@@ -436,7 +435,7 @@
           <a:p>
             <a:fld id="{E06F45A8-75E7-456F-B936-9A87269FD079}" type="datetimeFigureOut">
               <a:rPr lang="de-DE" smtClean="0"/>
-              <a:t>21.12.2017</a:t>
+              <a:t>08.01.2018</a:t>
             </a:fld>
             <a:endParaRPr lang="de-DE"/>
           </a:p>
@@ -616,7 +615,7 @@
           <a:p>
             <a:fld id="{E06F45A8-75E7-456F-B936-9A87269FD079}" type="datetimeFigureOut">
               <a:rPr lang="de-DE" smtClean="0"/>
-              <a:t>21.12.2017</a:t>
+              <a:t>08.01.2018</a:t>
             </a:fld>
             <a:endParaRPr lang="de-DE"/>
           </a:p>
@@ -786,7 +785,7 @@
           <a:p>
             <a:fld id="{E06F45A8-75E7-456F-B936-9A87269FD079}" type="datetimeFigureOut">
               <a:rPr lang="de-DE" smtClean="0"/>
-              <a:t>21.12.2017</a:t>
+              <a:t>08.01.2018</a:t>
             </a:fld>
             <a:endParaRPr lang="de-DE"/>
           </a:p>
@@ -1032,7 +1031,7 @@
           <a:p>
             <a:fld id="{E06F45A8-75E7-456F-B936-9A87269FD079}" type="datetimeFigureOut">
               <a:rPr lang="de-DE" smtClean="0"/>
-              <a:t>21.12.2017</a:t>
+              <a:t>08.01.2018</a:t>
             </a:fld>
             <a:endParaRPr lang="de-DE"/>
           </a:p>
@@ -1264,7 +1263,7 @@
           <a:p>
             <a:fld id="{E06F45A8-75E7-456F-B936-9A87269FD079}" type="datetimeFigureOut">
               <a:rPr lang="de-DE" smtClean="0"/>
-              <a:t>21.12.2017</a:t>
+              <a:t>08.01.2018</a:t>
             </a:fld>
             <a:endParaRPr lang="de-DE"/>
           </a:p>
@@ -1631,7 +1630,7 @@
           <a:p>
             <a:fld id="{E06F45A8-75E7-456F-B936-9A87269FD079}" type="datetimeFigureOut">
               <a:rPr lang="de-DE" smtClean="0"/>
-              <a:t>21.12.2017</a:t>
+              <a:t>08.01.2018</a:t>
             </a:fld>
             <a:endParaRPr lang="de-DE"/>
           </a:p>
@@ -1749,7 +1748,7 @@
           <a:p>
             <a:fld id="{E06F45A8-75E7-456F-B936-9A87269FD079}" type="datetimeFigureOut">
               <a:rPr lang="de-DE" smtClean="0"/>
-              <a:t>21.12.2017</a:t>
+              <a:t>08.01.2018</a:t>
             </a:fld>
             <a:endParaRPr lang="de-DE"/>
           </a:p>
@@ -1844,7 +1843,7 @@
           <a:p>
             <a:fld id="{E06F45A8-75E7-456F-B936-9A87269FD079}" type="datetimeFigureOut">
               <a:rPr lang="de-DE" smtClean="0"/>
-              <a:t>21.12.2017</a:t>
+              <a:t>08.01.2018</a:t>
             </a:fld>
             <a:endParaRPr lang="de-DE"/>
           </a:p>
@@ -2121,7 +2120,7 @@
           <a:p>
             <a:fld id="{E06F45A8-75E7-456F-B936-9A87269FD079}" type="datetimeFigureOut">
               <a:rPr lang="de-DE" smtClean="0"/>
-              <a:t>21.12.2017</a:t>
+              <a:t>08.01.2018</a:t>
             </a:fld>
             <a:endParaRPr lang="de-DE"/>
           </a:p>
@@ -2374,7 +2373,7 @@
           <a:p>
             <a:fld id="{E06F45A8-75E7-456F-B936-9A87269FD079}" type="datetimeFigureOut">
               <a:rPr lang="de-DE" smtClean="0"/>
-              <a:t>21.12.2017</a:t>
+              <a:t>08.01.2018</a:t>
             </a:fld>
             <a:endParaRPr lang="de-DE"/>
           </a:p>
@@ -2587,7 +2586,7 @@
           <a:p>
             <a:fld id="{E06F45A8-75E7-456F-B936-9A87269FD079}" type="datetimeFigureOut">
               <a:rPr lang="de-DE" smtClean="0"/>
-              <a:t>21.12.2017</a:t>
+              <a:t>08.01.2018</a:t>
             </a:fld>
             <a:endParaRPr lang="de-DE"/>
           </a:p>
@@ -3100,50 +3099,96 @@
           <a:lstStyle/>
           <a:p>
             <a:r>
+              <a:rPr lang="de-DE" dirty="0" smtClean="0"/>
+              <a:t>Problem: Änderungen in den Abhängigkeiten	</a:t>
+            </a:r>
+            <a:endParaRPr lang="de-DE" dirty="0"/>
+          </a:p>
+        </p:txBody>
+      </p:sp>
+      <p:sp>
+        <p:nvSpPr>
+          <p:cNvPr id="3" name="Inhaltsplatzhalter 2"/>
+          <p:cNvSpPr>
+            <a:spLocks noGrp="1"/>
+          </p:cNvSpPr>
+          <p:nvPr>
+            <p:ph idx="1"/>
+          </p:nvPr>
+        </p:nvSpPr>
+        <p:spPr/>
+        <p:txBody>
+          <a:bodyPr/>
+          <a:lstStyle/>
+          <a:p>
+            <a:r>
+              <a:rPr lang="de-DE" dirty="0" smtClean="0"/>
+              <a:t>Ein Modul benötigt später neue </a:t>
+            </a:r>
+            <a:r>
+              <a:rPr lang="de-DE" dirty="0" err="1" smtClean="0"/>
+              <a:t>Thirdparty</a:t>
+            </a:r>
+            <a:r>
+              <a:rPr lang="de-DE" dirty="0" smtClean="0"/>
+              <a:t>-Bibliotheken</a:t>
+            </a:r>
+          </a:p>
+          <a:p>
+            <a:r>
+              <a:rPr lang="de-DE" dirty="0" smtClean="0"/>
+              <a:t>Das Module benötigt nun Zugriff auf das </a:t>
+            </a:r>
+            <a:r>
+              <a:rPr lang="de-DE" dirty="0" err="1" smtClean="0"/>
+              <a:t>Vendor</a:t>
+            </a:r>
+            <a:r>
+              <a:rPr lang="de-DE" dirty="0" smtClean="0"/>
+              <a:t>/</a:t>
+            </a:r>
+            <a:r>
               <a:rPr lang="de-DE" dirty="0" err="1" smtClean="0"/>
               <a:t>Commons</a:t>
             </a:r>
             <a:r>
               <a:rPr lang="de-DE" dirty="0" smtClean="0"/>
-              <a:t> Module Problematik</a:t>
+              <a:t> Bundle</a:t>
+            </a:r>
+          </a:p>
+          <a:p>
+            <a:r>
+              <a:rPr lang="de-DE" dirty="0" smtClean="0"/>
+              <a:t>Die Abhängigkeiten zwischen den Modulen sind in den </a:t>
+            </a:r>
+            <a:r>
+              <a:rPr lang="de-DE" dirty="0" err="1" smtClean="0"/>
+              <a:t>ngfactories</a:t>
+            </a:r>
+            <a:r>
+              <a:rPr lang="de-DE" dirty="0" smtClean="0"/>
+              <a:t> angegeben</a:t>
+            </a:r>
+          </a:p>
+          <a:p>
+            <a:r>
+              <a:rPr lang="de-DE" dirty="0" smtClean="0"/>
+              <a:t>Mainmodule muss angepasst werden, damit die Abhängigkeiten geändert werden können</a:t>
+            </a:r>
+          </a:p>
+          <a:p>
+            <a:r>
+              <a:rPr lang="de-DE" dirty="0" smtClean="0"/>
+              <a:t>Neubau des Gesamtsystems nötig</a:t>
             </a:r>
             <a:endParaRPr lang="de-DE" dirty="0"/>
           </a:p>
         </p:txBody>
       </p:sp>
-      <p:pic>
-        <p:nvPicPr>
-          <p:cNvPr id="4" name="Inhaltsplatzhalter 3"/>
-          <p:cNvPicPr>
-            <a:picLocks noGrp="1" noChangeAspect="1"/>
-          </p:cNvPicPr>
-          <p:nvPr>
-            <p:ph idx="1"/>
-          </p:nvPr>
-        </p:nvPicPr>
-        <p:blipFill>
-          <a:blip r:embed="rId2">
-            <a:extLst>
-              <a:ext uri="{28A0092B-C50C-407E-A947-70E740481C1C}">
-                <a14:useLocalDpi xmlns:a14="http://schemas.microsoft.com/office/drawing/2010/main" val="0"/>
-              </a:ext>
-            </a:extLst>
-          </a:blip>
-          <a:stretch>
-            <a:fillRect/>
-          </a:stretch>
-        </p:blipFill>
-        <p:spPr>
-          <a:xfrm>
-            <a:off x="1040579" y="1634541"/>
-            <a:ext cx="6836094" cy="4967612"/>
-          </a:xfrm>
-        </p:spPr>
-      </p:pic>
     </p:spTree>
     <p:extLst>
       <p:ext uri="{BB962C8B-B14F-4D97-AF65-F5344CB8AC3E}">
-        <p14:creationId xmlns:p14="http://schemas.microsoft.com/office/powerpoint/2010/main" val="3651849168"/>
+        <p14:creationId xmlns:p14="http://schemas.microsoft.com/office/powerpoint/2010/main" val="2592457802"/>
       </p:ext>
     </p:extLst>
   </p:cSld>
@@ -3186,14 +3231,9 @@
           <a:lstStyle/>
           <a:p>
             <a:r>
-              <a:rPr lang="de-DE" dirty="0" err="1" smtClean="0"/>
-              <a:t>Commons</a:t>
-            </a:r>
-            <a:r>
-              <a:rPr lang="de-DE" dirty="0" smtClean="0"/>
-              <a:t> Module Problematik</a:t>
-            </a:r>
-            <a:endParaRPr lang="de-DE" dirty="0"/>
+              <a:rPr lang="de-DE" dirty="0"/>
+              <a:t>Problem: Änderungen in den Abhängigkeiten	</a:t>
+            </a:r>
           </a:p>
         </p:txBody>
       </p:sp>
@@ -3221,15 +3261,15 @@
         </p:blipFill>
         <p:spPr>
           <a:xfrm>
-            <a:off x="2502569" y="1387859"/>
-            <a:ext cx="5542547" cy="5385623"/>
+            <a:off x="3340957" y="1825625"/>
+            <a:ext cx="5510085" cy="4351338"/>
           </a:xfrm>
         </p:spPr>
       </p:pic>
     </p:spTree>
     <p:extLst>
       <p:ext uri="{BB962C8B-B14F-4D97-AF65-F5344CB8AC3E}">
-        <p14:creationId xmlns:p14="http://schemas.microsoft.com/office/powerpoint/2010/main" val="3792489412"/>
+        <p14:creationId xmlns:p14="http://schemas.microsoft.com/office/powerpoint/2010/main" val="1364803924"/>
       </p:ext>
     </p:extLst>
   </p:cSld>
@@ -3272,12 +3312,12 @@
           <a:lstStyle/>
           <a:p>
             <a:r>
-              <a:rPr lang="de-DE" dirty="0" err="1" smtClean="0"/>
-              <a:t>Commons</a:t>
-            </a:r>
-            <a:r>
-              <a:rPr lang="de-DE" dirty="0" smtClean="0"/>
-              <a:t> Module Problematik</a:t>
+              <a:rPr lang="de-DE" dirty="0" smtClean="0"/>
+              <a:t>Lösung </a:t>
+            </a:r>
+            <a:r>
+              <a:rPr lang="de-DE" dirty="0" err="1" smtClean="0"/>
+              <a:t>SharedModule</a:t>
             </a:r>
             <a:endParaRPr lang="de-DE" dirty="0"/>
           </a:p>
@@ -3293,107 +3333,100 @@
             <p:ph idx="1"/>
           </p:nvPr>
         </p:nvSpPr>
-        <p:spPr/>
-        <p:txBody>
-          <a:bodyPr/>
-          <a:lstStyle/>
-          <a:p>
-            <a:r>
-              <a:rPr lang="de-DE" dirty="0" smtClean="0"/>
-              <a:t>Entstehende Probleme:</a:t>
-            </a:r>
-          </a:p>
-          <a:p>
-            <a:pPr lvl="1"/>
-            <a:r>
-              <a:rPr lang="de-DE" dirty="0" smtClean="0"/>
-              <a:t>Um ein einzelnes Modul neue zu bauen und in die Gesamtanwendung zu integrieren muss es zusammen mit allen anderen Modulen gebaut werden</a:t>
-            </a:r>
-          </a:p>
-          <a:p>
-            <a:pPr lvl="1"/>
-            <a:r>
-              <a:rPr lang="de-DE" dirty="0" smtClean="0"/>
-              <a:t>Anschließend kann der einzelne </a:t>
-            </a:r>
-            <a:r>
-              <a:rPr lang="de-DE" dirty="0" err="1" smtClean="0"/>
-              <a:t>Chunk</a:t>
-            </a:r>
-            <a:r>
-              <a:rPr lang="de-DE" dirty="0" smtClean="0"/>
-              <a:t> ausgetauscht werden</a:t>
-            </a:r>
-          </a:p>
-          <a:p>
-            <a:pPr lvl="1"/>
-            <a:r>
-              <a:rPr lang="de-DE" dirty="0" smtClean="0"/>
-              <a:t>Alle anderen Module werden mit gebaut obwohl sich nichts an ihnen ändert</a:t>
-            </a:r>
-          </a:p>
-          <a:p>
-            <a:r>
-              <a:rPr lang="de-DE" dirty="0" smtClean="0"/>
-              <a:t>Lösung durch </a:t>
-            </a:r>
-            <a:r>
-              <a:rPr lang="de-DE" dirty="0" err="1" smtClean="0"/>
-              <a:t>Sharedmodul</a:t>
-            </a:r>
-            <a:endParaRPr lang="de-DE" dirty="0" smtClean="0"/>
-          </a:p>
-          <a:p>
-            <a:pPr lvl="1"/>
-            <a:r>
-              <a:rPr lang="de-DE" dirty="0" smtClean="0"/>
-              <a:t>Es können einzelne Module gebaut und in die Gesamtanwendung integriert werden</a:t>
-            </a:r>
-          </a:p>
-          <a:p>
-            <a:pPr lvl="1"/>
-            <a:r>
-              <a:rPr lang="de-DE" dirty="0" smtClean="0"/>
-              <a:t>Nachteil: Einige Optimierungen von Angular fallen weg</a:t>
-            </a:r>
-          </a:p>
-          <a:p>
-            <a:pPr lvl="1"/>
-            <a:r>
-              <a:rPr lang="de-DE" dirty="0" smtClean="0"/>
-              <a:t>Keine klare Trennung der </a:t>
-            </a:r>
-            <a:r>
-              <a:rPr lang="de-DE" dirty="0" err="1" smtClean="0"/>
-              <a:t>ThirdParty</a:t>
-            </a:r>
-            <a:r>
-              <a:rPr lang="de-DE" dirty="0" smtClean="0"/>
-              <a:t>-Bibliotheken, </a:t>
-            </a:r>
-            <a:r>
-              <a:rPr lang="de-DE" dirty="0" err="1" smtClean="0"/>
-              <a:t>alls</a:t>
-            </a:r>
-            <a:r>
-              <a:rPr lang="de-DE" dirty="0" smtClean="0"/>
-              <a:t> im </a:t>
-            </a:r>
-            <a:r>
-              <a:rPr lang="de-DE" dirty="0" err="1" smtClean="0"/>
-              <a:t>SharedModul</a:t>
-            </a:r>
-            <a:r>
-              <a:rPr lang="de-DE" dirty="0" smtClean="0"/>
-              <a:t> und man weißt nicht wer sie wirklich benötigt</a:t>
-            </a:r>
-          </a:p>
-        </p:txBody>
-      </p:sp>
+        <p:spPr>
+          <a:xfrm>
+            <a:off x="838200" y="1825625"/>
+            <a:ext cx="7028935" cy="4351338"/>
+          </a:xfrm>
+        </p:spPr>
+        <p:txBody>
+          <a:bodyPr/>
+          <a:lstStyle/>
+          <a:p>
+            <a:r>
+              <a:rPr lang="de-DE" dirty="0" smtClean="0"/>
+              <a:t>Ein Modul für die Verwaltung der Abhängigkeiten einbinden</a:t>
+            </a:r>
+          </a:p>
+          <a:p>
+            <a:r>
+              <a:rPr lang="de-DE" dirty="0" err="1" smtClean="0"/>
+              <a:t>SharedModule</a:t>
+            </a:r>
+            <a:r>
+              <a:rPr lang="de-DE" dirty="0" smtClean="0"/>
+              <a:t> ist für das Importieren aller </a:t>
+            </a:r>
+            <a:r>
+              <a:rPr lang="de-DE" dirty="0" err="1" smtClean="0"/>
+              <a:t>Abhängkeiten</a:t>
+            </a:r>
+            <a:r>
+              <a:rPr lang="de-DE" dirty="0" smtClean="0"/>
+              <a:t> zuständig</a:t>
+            </a:r>
+          </a:p>
+          <a:p>
+            <a:r>
+              <a:rPr lang="de-DE" dirty="0" smtClean="0"/>
+              <a:t>Im </a:t>
+            </a:r>
+            <a:r>
+              <a:rPr lang="de-DE" dirty="0" err="1" smtClean="0"/>
+              <a:t>SharedModule</a:t>
+            </a:r>
+            <a:r>
+              <a:rPr lang="de-DE" dirty="0" smtClean="0"/>
+              <a:t> werden die Importierten Module wieder exportiert</a:t>
+            </a:r>
+          </a:p>
+          <a:p>
+            <a:r>
+              <a:rPr lang="de-DE" dirty="0" smtClean="0"/>
+              <a:t>Alle anderen Module importieren nur das </a:t>
+            </a:r>
+            <a:r>
+              <a:rPr lang="de-DE" dirty="0" err="1" smtClean="0"/>
+              <a:t>SharedModule</a:t>
+            </a:r>
+            <a:endParaRPr lang="de-DE" dirty="0"/>
+          </a:p>
+        </p:txBody>
+      </p:sp>
+      <p:pic>
+        <p:nvPicPr>
+          <p:cNvPr id="4" name="Inhaltsplatzhalter 3"/>
+          <p:cNvPicPr>
+            <a:picLocks noChangeAspect="1"/>
+          </p:cNvPicPr>
+          <p:nvPr/>
+        </p:nvPicPr>
+        <p:blipFill>
+          <a:blip r:embed="rId2">
+            <a:extLst>
+              <a:ext uri="{28A0092B-C50C-407E-A947-70E740481C1C}">
+                <a14:useLocalDpi xmlns:a14="http://schemas.microsoft.com/office/drawing/2010/main" val="0"/>
+              </a:ext>
+            </a:extLst>
+          </a:blip>
+          <a:stretch>
+            <a:fillRect/>
+          </a:stretch>
+        </p:blipFill>
+        <p:spPr>
+          <a:xfrm>
+            <a:off x="7788472" y="282747"/>
+            <a:ext cx="3565328" cy="6162528"/>
+          </a:xfrm>
+          <a:prstGeom prst="rect">
+            <a:avLst/>
+          </a:prstGeom>
+        </p:spPr>
+      </p:pic>
     </p:spTree>
     <p:extLst>
       <p:ext uri="{BB962C8B-B14F-4D97-AF65-F5344CB8AC3E}">
-        <p14:creationId xmlns:p14="http://schemas.microsoft.com/office/powerpoint/2010/main" val="3987340784"/>
+        <p14:creationId xmlns:p14="http://schemas.microsoft.com/office/powerpoint/2010/main" val="1989029913"/>
       </p:ext>
     </p:extLst>
   </p:cSld>
@@ -3511,186 +3544,6 @@
 </file>
 
 <file path=ppt/slides/slide14.xml><?xml version="1.0" encoding="utf-8"?>
-<p:sld xmlns:a="http://schemas.openxmlformats.org/drawingml/2006/main" xmlns:r="http://schemas.openxmlformats.org/officeDocument/2006/relationships" xmlns:p="http://schemas.openxmlformats.org/presentationml/2006/main">
-  <p:cSld>
-    <p:spTree>
-      <p:nvGrpSpPr>
-        <p:cNvPr id="1" name=""/>
-        <p:cNvGrpSpPr/>
-        <p:nvPr/>
-      </p:nvGrpSpPr>
-      <p:grpSpPr>
-        <a:xfrm>
-          <a:off x="0" y="0"/>
-          <a:ext cx="0" cy="0"/>
-          <a:chOff x="0" y="0"/>
-          <a:chExt cx="0" cy="0"/>
-        </a:xfrm>
-      </p:grpSpPr>
-      <p:sp>
-        <p:nvSpPr>
-          <p:cNvPr id="2" name="Titel 1"/>
-          <p:cNvSpPr>
-            <a:spLocks noGrp="1"/>
-          </p:cNvSpPr>
-          <p:nvPr>
-            <p:ph type="title"/>
-          </p:nvPr>
-        </p:nvSpPr>
-        <p:spPr/>
-        <p:txBody>
-          <a:bodyPr/>
-          <a:lstStyle/>
-          <a:p>
-            <a:r>
-              <a:rPr lang="de-DE" dirty="0" smtClean="0"/>
-              <a:t>Kann durch </a:t>
-            </a:r>
-            <a:r>
-              <a:rPr lang="de-DE" dirty="0" err="1" smtClean="0"/>
-              <a:t>SharedModule</a:t>
-            </a:r>
-            <a:r>
-              <a:rPr lang="de-DE" dirty="0" smtClean="0"/>
-              <a:t> verhindert werden</a:t>
-            </a:r>
-            <a:endParaRPr lang="de-DE" dirty="0"/>
-          </a:p>
-        </p:txBody>
-      </p:sp>
-      <p:pic>
-        <p:nvPicPr>
-          <p:cNvPr id="4" name="Inhaltsplatzhalter 3"/>
-          <p:cNvPicPr>
-            <a:picLocks noGrp="1" noChangeAspect="1"/>
-          </p:cNvPicPr>
-          <p:nvPr>
-            <p:ph idx="1"/>
-          </p:nvPr>
-        </p:nvPicPr>
-        <p:blipFill>
-          <a:blip r:embed="rId2">
-            <a:extLst>
-              <a:ext uri="{28A0092B-C50C-407E-A947-70E740481C1C}">
-                <a14:useLocalDpi xmlns:a14="http://schemas.microsoft.com/office/drawing/2010/main" val="0"/>
-              </a:ext>
-            </a:extLst>
-          </a:blip>
-          <a:stretch>
-            <a:fillRect/>
-          </a:stretch>
-        </p:blipFill>
-        <p:spPr>
-          <a:xfrm>
-            <a:off x="3101990" y="1825625"/>
-            <a:ext cx="5988019" cy="4351338"/>
-          </a:xfrm>
-        </p:spPr>
-      </p:pic>
-    </p:spTree>
-    <p:extLst>
-      <p:ext uri="{BB962C8B-B14F-4D97-AF65-F5344CB8AC3E}">
-        <p14:creationId xmlns:p14="http://schemas.microsoft.com/office/powerpoint/2010/main" val="1426132123"/>
-      </p:ext>
-    </p:extLst>
-  </p:cSld>
-  <p:clrMapOvr>
-    <a:masterClrMapping/>
-  </p:clrMapOvr>
-</p:sld>
-</file>
-
-<file path=ppt/slides/slide15.xml><?xml version="1.0" encoding="utf-8"?>
-<p:sld xmlns:a="http://schemas.openxmlformats.org/drawingml/2006/main" xmlns:r="http://schemas.openxmlformats.org/officeDocument/2006/relationships" xmlns:p="http://schemas.openxmlformats.org/presentationml/2006/main">
-  <p:cSld>
-    <p:spTree>
-      <p:nvGrpSpPr>
-        <p:cNvPr id="1" name=""/>
-        <p:cNvGrpSpPr/>
-        <p:nvPr/>
-      </p:nvGrpSpPr>
-      <p:grpSpPr>
-        <a:xfrm>
-          <a:off x="0" y="0"/>
-          <a:ext cx="0" cy="0"/>
-          <a:chOff x="0" y="0"/>
-          <a:chExt cx="0" cy="0"/>
-        </a:xfrm>
-      </p:grpSpPr>
-      <p:sp>
-        <p:nvSpPr>
-          <p:cNvPr id="2" name="Titel 1"/>
-          <p:cNvSpPr>
-            <a:spLocks noGrp="1"/>
-          </p:cNvSpPr>
-          <p:nvPr>
-            <p:ph type="title"/>
-          </p:nvPr>
-        </p:nvSpPr>
-        <p:spPr/>
-        <p:txBody>
-          <a:bodyPr/>
-          <a:lstStyle/>
-          <a:p>
-            <a:r>
-              <a:rPr lang="de-DE" dirty="0" smtClean="0"/>
-              <a:t>Alle Module importieren </a:t>
-            </a:r>
-            <a:r>
-              <a:rPr lang="de-DE" dirty="0" err="1" smtClean="0"/>
-              <a:t>SharedModul</a:t>
-            </a:r>
-            <a:r>
-              <a:rPr lang="de-DE" dirty="0" smtClean="0"/>
-              <a:t> =&gt; Dieses Problem behoben</a:t>
-            </a:r>
-            <a:endParaRPr lang="de-DE" dirty="0"/>
-          </a:p>
-        </p:txBody>
-      </p:sp>
-      <p:pic>
-        <p:nvPicPr>
-          <p:cNvPr id="4" name="Inhaltsplatzhalter 3"/>
-          <p:cNvPicPr>
-            <a:picLocks noGrp="1" noChangeAspect="1"/>
-          </p:cNvPicPr>
-          <p:nvPr>
-            <p:ph idx="1"/>
-          </p:nvPr>
-        </p:nvPicPr>
-        <p:blipFill>
-          <a:blip r:embed="rId2">
-            <a:extLst>
-              <a:ext uri="{28A0092B-C50C-407E-A947-70E740481C1C}">
-                <a14:useLocalDpi xmlns:a14="http://schemas.microsoft.com/office/drawing/2010/main" val="0"/>
-              </a:ext>
-            </a:extLst>
-          </a:blip>
-          <a:stretch>
-            <a:fillRect/>
-          </a:stretch>
-        </p:blipFill>
-        <p:spPr>
-          <a:xfrm>
-            <a:off x="3346993" y="1825625"/>
-            <a:ext cx="5498014" cy="4351338"/>
-          </a:xfrm>
-        </p:spPr>
-      </p:pic>
-    </p:spTree>
-    <p:extLst>
-      <p:ext uri="{BB962C8B-B14F-4D97-AF65-F5344CB8AC3E}">
-        <p14:creationId xmlns:p14="http://schemas.microsoft.com/office/powerpoint/2010/main" val="709743158"/>
-      </p:ext>
-    </p:extLst>
-  </p:cSld>
-  <p:clrMapOvr>
-    <a:masterClrMapping/>
-  </p:clrMapOvr>
-</p:sld>
-</file>
-
-<file path=ppt/slides/slide16.xml><?xml version="1.0" encoding="utf-8"?>
 <p:sld xmlns:a="http://schemas.openxmlformats.org/drawingml/2006/main" xmlns:r="http://schemas.openxmlformats.org/officeDocument/2006/relationships" xmlns:p="http://schemas.openxmlformats.org/presentationml/2006/main">
   <p:cSld>
     <p:spTree>
@@ -3790,7 +3643,7 @@
 </p:sld>
 </file>
 
-<file path=ppt/slides/slide17.xml><?xml version="1.0" encoding="utf-8"?>
+<file path=ppt/slides/slide15.xml><?xml version="1.0" encoding="utf-8"?>
 <p:sld xmlns:a="http://schemas.openxmlformats.org/drawingml/2006/main" xmlns:r="http://schemas.openxmlformats.org/officeDocument/2006/relationships" xmlns:p="http://schemas.openxmlformats.org/presentationml/2006/main">
   <p:cSld>
     <p:spTree>
@@ -3882,7 +3735,7 @@
 </p:sld>
 </file>
 
-<file path=ppt/slides/slide18.xml><?xml version="1.0" encoding="utf-8"?>
+<file path=ppt/slides/slide16.xml><?xml version="1.0" encoding="utf-8"?>
 <p:sld xmlns:a="http://schemas.openxmlformats.org/drawingml/2006/main" xmlns:r="http://schemas.openxmlformats.org/officeDocument/2006/relationships" xmlns:p="http://schemas.openxmlformats.org/presentationml/2006/main">
   <p:cSld>
     <p:spTree>
@@ -3958,7 +3811,7 @@
       </p:sp>
       <p:pic>
         <p:nvPicPr>
-          <p:cNvPr id="4" name="Inhaltsplatzhalter 3"/>
+          <p:cNvPr id="5" name="Inhaltsplatzhalter 4"/>
           <p:cNvPicPr>
             <a:picLocks noGrp="1" noChangeAspect="1"/>
           </p:cNvPicPr>
@@ -3998,6 +3851,351 @@
 </p:sld>
 </file>
 
+<file path=ppt/slides/slide17.xml><?xml version="1.0" encoding="utf-8"?>
+<p:sld xmlns:a="http://schemas.openxmlformats.org/drawingml/2006/main" xmlns:r="http://schemas.openxmlformats.org/officeDocument/2006/relationships" xmlns:p="http://schemas.openxmlformats.org/presentationml/2006/main">
+  <p:cSld>
+    <p:spTree>
+      <p:nvGrpSpPr>
+        <p:cNvPr id="1" name=""/>
+        <p:cNvGrpSpPr/>
+        <p:nvPr/>
+      </p:nvGrpSpPr>
+      <p:grpSpPr>
+        <a:xfrm>
+          <a:off x="0" y="0"/>
+          <a:ext cx="0" cy="0"/>
+          <a:chOff x="0" y="0"/>
+          <a:chExt cx="0" cy="0"/>
+        </a:xfrm>
+      </p:grpSpPr>
+      <p:sp>
+        <p:nvSpPr>
+          <p:cNvPr id="2" name="Titel 1"/>
+          <p:cNvSpPr>
+            <a:spLocks noGrp="1"/>
+          </p:cNvSpPr>
+          <p:nvPr>
+            <p:ph type="title"/>
+          </p:nvPr>
+        </p:nvSpPr>
+        <p:spPr/>
+        <p:txBody>
+          <a:bodyPr/>
+          <a:lstStyle/>
+          <a:p>
+            <a:r>
+              <a:rPr lang="de-DE" dirty="0" smtClean="0"/>
+              <a:t>Ablauf </a:t>
+            </a:r>
+            <a:r>
+              <a:rPr lang="de-DE" dirty="0" smtClean="0"/>
+              <a:t>1</a:t>
+            </a:r>
+            <a:endParaRPr lang="de-DE" dirty="0"/>
+          </a:p>
+        </p:txBody>
+      </p:sp>
+      <p:sp>
+        <p:nvSpPr>
+          <p:cNvPr id="3" name="Inhaltsplatzhalter 2"/>
+          <p:cNvSpPr>
+            <a:spLocks noGrp="1"/>
+          </p:cNvSpPr>
+          <p:nvPr>
+            <p:ph idx="1"/>
+          </p:nvPr>
+        </p:nvSpPr>
+        <p:spPr/>
+        <p:txBody>
+          <a:bodyPr/>
+          <a:lstStyle/>
+          <a:p>
+            <a:r>
+              <a:rPr lang="de-DE" dirty="0" smtClean="0"/>
+              <a:t>Master </a:t>
+            </a:r>
+            <a:r>
+              <a:rPr lang="de-DE" dirty="0" err="1" smtClean="0"/>
+              <a:t>Branch</a:t>
+            </a:r>
+            <a:r>
+              <a:rPr lang="de-DE" dirty="0" smtClean="0"/>
+              <a:t> Forken</a:t>
+            </a:r>
+          </a:p>
+          <a:p>
+            <a:r>
+              <a:rPr lang="de-DE" dirty="0" smtClean="0"/>
+              <a:t>Module erstellen und Logik Implementieren</a:t>
+            </a:r>
+          </a:p>
+          <a:p>
+            <a:r>
+              <a:rPr lang="de-DE" dirty="0" smtClean="0"/>
+              <a:t>Im Hauptmodul eine Route für das neue Modul setzen</a:t>
+            </a:r>
+          </a:p>
+          <a:p>
+            <a:r>
+              <a:rPr lang="de-DE" dirty="0" smtClean="0"/>
+              <a:t>Master mit allen </a:t>
+            </a:r>
+            <a:r>
+              <a:rPr lang="de-DE" dirty="0" err="1" smtClean="0"/>
+              <a:t>Modulbranches</a:t>
+            </a:r>
+            <a:r>
+              <a:rPr lang="de-DE" dirty="0" smtClean="0"/>
+              <a:t> </a:t>
+            </a:r>
+            <a:r>
+              <a:rPr lang="de-DE" dirty="0" err="1" smtClean="0"/>
+              <a:t>Mergen</a:t>
+            </a:r>
+            <a:r>
+              <a:rPr lang="de-DE" dirty="0" smtClean="0"/>
+              <a:t> um das Mainmodul mit allen Referenzen zu erstellen</a:t>
+            </a:r>
+          </a:p>
+          <a:p>
+            <a:r>
+              <a:rPr lang="de-DE" dirty="0" smtClean="0"/>
+              <a:t>Master bauen -&gt; </a:t>
+            </a:r>
+            <a:r>
+              <a:rPr lang="de-DE" dirty="0" err="1" smtClean="0"/>
+              <a:t>Chunks</a:t>
+            </a:r>
+            <a:endParaRPr lang="de-DE" dirty="0" smtClean="0"/>
+          </a:p>
+          <a:p>
+            <a:r>
+              <a:rPr lang="de-DE" dirty="0" smtClean="0"/>
+              <a:t>Bei Update des Moduls: Nur das einzelne Modul bauen und </a:t>
+            </a:r>
+            <a:r>
+              <a:rPr lang="de-DE" dirty="0" err="1" smtClean="0"/>
+              <a:t>chunk</a:t>
+            </a:r>
+            <a:r>
+              <a:rPr lang="de-DE" dirty="0" smtClean="0"/>
+              <a:t> überschreiben</a:t>
+            </a:r>
+          </a:p>
+        </p:txBody>
+      </p:sp>
+    </p:spTree>
+    <p:extLst>
+      <p:ext uri="{BB962C8B-B14F-4D97-AF65-F5344CB8AC3E}">
+        <p14:creationId xmlns:p14="http://schemas.microsoft.com/office/powerpoint/2010/main" val="154243020"/>
+      </p:ext>
+    </p:extLst>
+  </p:cSld>
+  <p:clrMapOvr>
+    <a:masterClrMapping/>
+  </p:clrMapOvr>
+</p:sld>
+</file>
+
+<file path=ppt/slides/slide18.xml><?xml version="1.0" encoding="utf-8"?>
+<p:sld xmlns:a="http://schemas.openxmlformats.org/drawingml/2006/main" xmlns:r="http://schemas.openxmlformats.org/officeDocument/2006/relationships" xmlns:p="http://schemas.openxmlformats.org/presentationml/2006/main">
+  <p:cSld>
+    <p:spTree>
+      <p:nvGrpSpPr>
+        <p:cNvPr id="1" name=""/>
+        <p:cNvGrpSpPr/>
+        <p:nvPr/>
+      </p:nvGrpSpPr>
+      <p:grpSpPr>
+        <a:xfrm>
+          <a:off x="0" y="0"/>
+          <a:ext cx="0" cy="0"/>
+          <a:chOff x="0" y="0"/>
+          <a:chExt cx="0" cy="0"/>
+        </a:xfrm>
+      </p:grpSpPr>
+      <p:sp>
+        <p:nvSpPr>
+          <p:cNvPr id="2" name="Titel 1"/>
+          <p:cNvSpPr>
+            <a:spLocks noGrp="1"/>
+          </p:cNvSpPr>
+          <p:nvPr>
+            <p:ph type="title"/>
+          </p:nvPr>
+        </p:nvSpPr>
+        <p:spPr/>
+        <p:txBody>
+          <a:bodyPr/>
+          <a:lstStyle/>
+          <a:p>
+            <a:r>
+              <a:rPr lang="de-DE" dirty="0" smtClean="0"/>
+              <a:t> Ablauf 2</a:t>
+            </a:r>
+            <a:endParaRPr lang="de-DE" dirty="0"/>
+          </a:p>
+        </p:txBody>
+      </p:sp>
+      <p:sp>
+        <p:nvSpPr>
+          <p:cNvPr id="3" name="Inhaltsplatzhalter 2"/>
+          <p:cNvSpPr>
+            <a:spLocks noGrp="1"/>
+          </p:cNvSpPr>
+          <p:nvPr>
+            <p:ph idx="1"/>
+          </p:nvPr>
+        </p:nvSpPr>
+        <p:spPr/>
+        <p:txBody>
+          <a:bodyPr>
+            <a:normAutofit lnSpcReduction="10000"/>
+          </a:bodyPr>
+          <a:lstStyle/>
+          <a:p>
+            <a:r>
+              <a:rPr lang="de-DE" dirty="0" smtClean="0"/>
+              <a:t>Master enthält </a:t>
+            </a:r>
+            <a:r>
+              <a:rPr lang="de-DE" dirty="0" err="1" smtClean="0"/>
+              <a:t>Stubs</a:t>
+            </a:r>
+            <a:r>
+              <a:rPr lang="de-DE" dirty="0" smtClean="0"/>
+              <a:t> für alle Module</a:t>
+            </a:r>
+          </a:p>
+          <a:p>
+            <a:pPr lvl="1"/>
+            <a:r>
+              <a:rPr lang="de-DE" dirty="0" smtClean="0"/>
+              <a:t>Leeres Modul mit </a:t>
+            </a:r>
+            <a:r>
+              <a:rPr lang="de-DE" dirty="0" err="1" smtClean="0"/>
+              <a:t>Startcomponente</a:t>
+            </a:r>
+            <a:r>
+              <a:rPr lang="de-DE" dirty="0" smtClean="0"/>
+              <a:t> und eigebundenem </a:t>
+            </a:r>
+            <a:r>
+              <a:rPr lang="de-DE" dirty="0" err="1" smtClean="0"/>
+              <a:t>Sharedmodul</a:t>
+            </a:r>
+            <a:endParaRPr lang="de-DE" dirty="0" smtClean="0"/>
+          </a:p>
+          <a:p>
+            <a:r>
+              <a:rPr lang="de-DE" dirty="0" smtClean="0"/>
+              <a:t>Bei neuem Modul wir eine neuer </a:t>
+            </a:r>
+            <a:r>
+              <a:rPr lang="de-DE" dirty="0" err="1" smtClean="0"/>
+              <a:t>Stub</a:t>
+            </a:r>
+            <a:r>
+              <a:rPr lang="de-DE" dirty="0" smtClean="0"/>
+              <a:t> erstellt </a:t>
+            </a:r>
+          </a:p>
+          <a:p>
+            <a:r>
+              <a:rPr lang="de-DE" dirty="0" smtClean="0"/>
+              <a:t>Anschließend kann der Master neu gebaut werden</a:t>
+            </a:r>
+          </a:p>
+          <a:p>
+            <a:pPr lvl="1"/>
+            <a:r>
+              <a:rPr lang="de-DE" dirty="0" smtClean="0"/>
+              <a:t>Es werden vom Master nur das Main, </a:t>
+            </a:r>
+            <a:r>
+              <a:rPr lang="de-DE" dirty="0" err="1" smtClean="0"/>
+              <a:t>Shared</a:t>
+            </a:r>
+            <a:r>
+              <a:rPr lang="de-DE" dirty="0" smtClean="0"/>
+              <a:t> und </a:t>
+            </a:r>
+            <a:r>
+              <a:rPr lang="de-DE" dirty="0" err="1" smtClean="0"/>
+              <a:t>Vendor</a:t>
+            </a:r>
+            <a:r>
+              <a:rPr lang="de-DE" dirty="0" smtClean="0"/>
+              <a:t> Bundle benötig</a:t>
+            </a:r>
+          </a:p>
+          <a:p>
+            <a:r>
+              <a:rPr lang="de-DE" dirty="0" smtClean="0"/>
+              <a:t>Die </a:t>
+            </a:r>
+            <a:r>
+              <a:rPr lang="de-DE" dirty="0" err="1" smtClean="0"/>
+              <a:t>Chunks</a:t>
+            </a:r>
+            <a:r>
+              <a:rPr lang="de-DE" dirty="0" smtClean="0"/>
+              <a:t> der einzelnen Module werden einzeln generiert und die </a:t>
+            </a:r>
+            <a:r>
+              <a:rPr lang="de-DE" dirty="0" err="1" smtClean="0"/>
+              <a:t>Chunks</a:t>
+            </a:r>
+            <a:r>
+              <a:rPr lang="de-DE" dirty="0" smtClean="0"/>
+              <a:t> werden entsprechend überschrieben</a:t>
+            </a:r>
+          </a:p>
+          <a:p>
+            <a:r>
+              <a:rPr lang="de-DE" dirty="0" smtClean="0"/>
+              <a:t>Vorteil: Es muss nicht </a:t>
+            </a:r>
+            <a:r>
+              <a:rPr lang="de-DE" dirty="0" err="1" smtClean="0"/>
+              <a:t>gemerged</a:t>
+            </a:r>
+            <a:r>
+              <a:rPr lang="de-DE" dirty="0" smtClean="0"/>
+              <a:t> werden</a:t>
+            </a:r>
+          </a:p>
+          <a:p>
+            <a:r>
+              <a:rPr lang="de-DE" dirty="0" smtClean="0"/>
+              <a:t>Das bauen der Hauptmoduls geschieht schneller, da nur die </a:t>
+            </a:r>
+            <a:r>
+              <a:rPr lang="de-DE" dirty="0" err="1" smtClean="0"/>
+              <a:t>Stubs</a:t>
+            </a:r>
+            <a:r>
+              <a:rPr lang="de-DE" dirty="0" smtClean="0"/>
+              <a:t> mit gebaut werden müssen</a:t>
+            </a:r>
+            <a:endParaRPr lang="de-DE" dirty="0"/>
+          </a:p>
+        </p:txBody>
+      </p:sp>
+    </p:spTree>
+    <p:extLst>
+      <p:ext uri="{BB962C8B-B14F-4D97-AF65-F5344CB8AC3E}">
+        <p14:creationId xmlns:p14="http://schemas.microsoft.com/office/powerpoint/2010/main" val="4259768398"/>
+      </p:ext>
+    </p:extLst>
+  </p:cSld>
+  <p:clrMapOvr>
+    <a:masterClrMapping/>
+  </p:clrMapOvr>
+</p:sld>
+</file>
+
 <file path=ppt/slides/slide19.xml><?xml version="1.0" encoding="utf-8"?>
 <p:sld xmlns:a="http://schemas.openxmlformats.org/drawingml/2006/main" xmlns:r="http://schemas.openxmlformats.org/officeDocument/2006/relationships" xmlns:p="http://schemas.openxmlformats.org/presentationml/2006/main">
   <p:cSld>
@@ -4032,7 +4230,7 @@
           <a:p>
             <a:r>
               <a:rPr lang="de-DE" dirty="0" smtClean="0"/>
-              <a:t>Ablauf Entwicklung neuer Module</a:t>
+              <a:t>Ablauf 2</a:t>
             </a:r>
             <a:endParaRPr lang="de-DE" dirty="0"/>
           </a:p>
@@ -4055,82 +4253,70 @@
           <a:p>
             <a:r>
               <a:rPr lang="de-DE" dirty="0" smtClean="0"/>
-              <a:t>Master </a:t>
-            </a:r>
-            <a:r>
-              <a:rPr lang="de-DE" dirty="0" err="1" smtClean="0"/>
-              <a:t>Branch</a:t>
-            </a:r>
-            <a:r>
-              <a:rPr lang="de-DE" dirty="0" smtClean="0"/>
-              <a:t> Forken</a:t>
-            </a:r>
-          </a:p>
-          <a:p>
-            <a:r>
-              <a:rPr lang="de-DE" dirty="0" smtClean="0"/>
-              <a:t>Module erstellen und Logik Implementieren</a:t>
-            </a:r>
-          </a:p>
-          <a:p>
-            <a:r>
-              <a:rPr lang="de-DE" dirty="0" smtClean="0"/>
-              <a:t>Im Hauptmodul eine Route für das neue Modul setzen</a:t>
-            </a:r>
-          </a:p>
-          <a:p>
-            <a:r>
-              <a:rPr lang="de-DE" dirty="0" smtClean="0"/>
-              <a:t>Master mit allen </a:t>
-            </a:r>
-            <a:r>
-              <a:rPr lang="de-DE" dirty="0" err="1" smtClean="0"/>
-              <a:t>Modulbranches</a:t>
-            </a:r>
-            <a:r>
-              <a:rPr lang="de-DE" dirty="0" smtClean="0"/>
-              <a:t> </a:t>
-            </a:r>
-            <a:r>
-              <a:rPr lang="de-DE" dirty="0" err="1" smtClean="0"/>
-              <a:t>Mergen</a:t>
-            </a:r>
-            <a:r>
-              <a:rPr lang="de-DE" dirty="0" smtClean="0"/>
-              <a:t> um das Mainmodul mit allen Referenzen zu erstellen</a:t>
-            </a:r>
-          </a:p>
-          <a:p>
-            <a:r>
-              <a:rPr lang="de-DE" dirty="0" smtClean="0"/>
-              <a:t>Master bauen -&gt; </a:t>
+              <a:t>Skripte einfügen</a:t>
+            </a:r>
+          </a:p>
+          <a:p>
+            <a:pPr lvl="1"/>
+            <a:r>
+              <a:rPr lang="de-DE" dirty="0" smtClean="0"/>
+              <a:t>Namen des </a:t>
             </a:r>
             <a:r>
               <a:rPr lang="de-DE" dirty="0" err="1" smtClean="0"/>
               <a:t>Chunks</a:t>
             </a:r>
+            <a:r>
+              <a:rPr lang="de-DE" dirty="0" smtClean="0"/>
+              <a:t> an welchem gearbeitet wird eingeben</a:t>
+            </a:r>
+          </a:p>
+          <a:p>
+            <a:pPr lvl="1"/>
+            <a:r>
+              <a:rPr lang="de-DE" dirty="0" smtClean="0"/>
+              <a:t>Alle anderen </a:t>
+            </a:r>
+            <a:r>
+              <a:rPr lang="de-DE" dirty="0" err="1" smtClean="0"/>
+              <a:t>Stubs</a:t>
+            </a:r>
+            <a:r>
+              <a:rPr lang="de-DE" dirty="0" smtClean="0"/>
+              <a:t> löschen</a:t>
+            </a:r>
+          </a:p>
+          <a:p>
+            <a:r>
+              <a:rPr lang="de-DE" dirty="0" smtClean="0"/>
+              <a:t>In den </a:t>
+            </a:r>
+            <a:r>
+              <a:rPr lang="de-DE" dirty="0" err="1" smtClean="0"/>
+              <a:t>Branches</a:t>
+            </a:r>
+            <a:r>
+              <a:rPr lang="de-DE" dirty="0" smtClean="0"/>
+              <a:t> der Entwicklerteams sind nur die Daten aus dem Master und des aktuellen Features</a:t>
+            </a:r>
+          </a:p>
+          <a:p>
+            <a:r>
+              <a:rPr lang="de-DE" dirty="0" smtClean="0"/>
+              <a:t>Masterbranch enthält alle </a:t>
+            </a:r>
+            <a:r>
+              <a:rPr lang="de-DE" dirty="0" err="1" smtClean="0"/>
+              <a:t>Stubs</a:t>
+            </a:r>
             <a:endParaRPr lang="de-DE" dirty="0" smtClean="0"/>
-          </a:p>
-          <a:p>
-            <a:r>
-              <a:rPr lang="de-DE" dirty="0" smtClean="0"/>
-              <a:t>Bei Update des Moduls: Nur das einzelne Modul bauen und </a:t>
-            </a:r>
-            <a:r>
-              <a:rPr lang="de-DE" dirty="0" err="1" smtClean="0"/>
-              <a:t>chunk</a:t>
-            </a:r>
-            <a:r>
-              <a:rPr lang="de-DE" dirty="0" smtClean="0"/>
-              <a:t> überschreiben</a:t>
-            </a:r>
           </a:p>
         </p:txBody>
       </p:sp>
     </p:spTree>
     <p:extLst>
       <p:ext uri="{BB962C8B-B14F-4D97-AF65-F5344CB8AC3E}">
-        <p14:creationId xmlns:p14="http://schemas.microsoft.com/office/powerpoint/2010/main" val="154243020"/>
+        <p14:creationId xmlns:p14="http://schemas.microsoft.com/office/powerpoint/2010/main" val="1667845817"/>
       </p:ext>
     </p:extLst>
   </p:cSld>
@@ -4296,7 +4482,7 @@
           <a:p>
             <a:r>
               <a:rPr lang="de-DE" dirty="0" smtClean="0"/>
-              <a:t>Alternativer Ablauf</a:t>
+              <a:t>Ablauf 3</a:t>
             </a:r>
             <a:endParaRPr lang="de-DE" dirty="0"/>
           </a:p>
@@ -4314,48 +4500,35 @@
         </p:nvSpPr>
         <p:spPr/>
         <p:txBody>
-          <a:bodyPr>
-            <a:normAutofit lnSpcReduction="10000"/>
-          </a:bodyPr>
-          <a:lstStyle/>
-          <a:p>
-            <a:r>
-              <a:rPr lang="de-DE" dirty="0" smtClean="0"/>
-              <a:t>Master enthält </a:t>
+          <a:bodyPr/>
+          <a:lstStyle/>
+          <a:p>
+            <a:r>
+              <a:rPr lang="de-DE" dirty="0" smtClean="0"/>
+              <a:t>Masterbranch -&gt; enthält weiterhin die geteilten Services aber keine </a:t>
             </a:r>
             <a:r>
               <a:rPr lang="de-DE" dirty="0" err="1" smtClean="0"/>
               <a:t>Stubs</a:t>
             </a:r>
-            <a:r>
-              <a:rPr lang="de-DE" dirty="0" smtClean="0"/>
-              <a:t> für alle Module</a:t>
-            </a:r>
-          </a:p>
-          <a:p>
-            <a:pPr lvl="1"/>
-            <a:r>
-              <a:rPr lang="de-DE" dirty="0" smtClean="0"/>
-              <a:t>Leeres Modul mit </a:t>
-            </a:r>
-            <a:r>
-              <a:rPr lang="de-DE" dirty="0" err="1" smtClean="0"/>
-              <a:t>Startcomponente</a:t>
-            </a:r>
-            <a:r>
-              <a:rPr lang="de-DE" dirty="0" smtClean="0"/>
-              <a:t> und eigebundenem </a:t>
-            </a:r>
-            <a:r>
-              <a:rPr lang="de-DE" dirty="0" err="1" smtClean="0"/>
-              <a:t>Sharedmodul</a:t>
-            </a:r>
             <a:endParaRPr lang="de-DE" dirty="0" smtClean="0"/>
           </a:p>
           <a:p>
             <a:r>
-              <a:rPr lang="de-DE" dirty="0" smtClean="0"/>
-              <a:t>Bei neuem Modul wir eine neuer </a:t>
+              <a:rPr lang="de-DE" dirty="0" err="1" smtClean="0"/>
+              <a:t>FeatureBranch</a:t>
+            </a:r>
+            <a:r>
+              <a:rPr lang="de-DE" dirty="0" smtClean="0"/>
+              <a:t>-&gt; </a:t>
+            </a:r>
+            <a:r>
+              <a:rPr lang="de-DE" dirty="0" err="1" smtClean="0"/>
+              <a:t>Geforked</a:t>
+            </a:r>
+            <a:r>
+              <a:rPr lang="de-DE" dirty="0" smtClean="0"/>
+              <a:t> von Master, erweitert den Master zuerst mit einem </a:t>
             </a:r>
             <a:r>
               <a:rPr lang="de-DE" dirty="0" err="1" smtClean="0"/>
@@ -4363,95 +4536,102 @@
             </a:r>
             <a:r>
               <a:rPr lang="de-DE" dirty="0" smtClean="0"/>
-              <a:t> erstellt </a:t>
-            </a:r>
-          </a:p>
-          <a:p>
-            <a:r>
-              <a:rPr lang="de-DE" dirty="0" smtClean="0"/>
-              <a:t>Anschließend kann der Master neu gebaut werden</a:t>
-            </a:r>
-          </a:p>
-          <a:p>
-            <a:pPr lvl="1"/>
-            <a:r>
-              <a:rPr lang="de-DE" dirty="0" smtClean="0"/>
-              <a:t>Es werden vom Master nur das Main, </a:t>
-            </a:r>
-            <a:r>
-              <a:rPr lang="de-DE" dirty="0" err="1" smtClean="0"/>
-              <a:t>Shared</a:t>
-            </a:r>
-            <a:r>
-              <a:rPr lang="de-DE" dirty="0" smtClean="0"/>
-              <a:t> und </a:t>
-            </a:r>
-            <a:r>
-              <a:rPr lang="de-DE" dirty="0" err="1" smtClean="0"/>
-              <a:t>Vendor</a:t>
-            </a:r>
-            <a:r>
-              <a:rPr lang="de-DE" dirty="0" smtClean="0"/>
-              <a:t> Bundle benötig</a:t>
-            </a:r>
-          </a:p>
-          <a:p>
-            <a:r>
-              <a:rPr lang="de-DE" dirty="0" smtClean="0"/>
-              <a:t>Die </a:t>
-            </a:r>
-            <a:r>
-              <a:rPr lang="de-DE" dirty="0" err="1" smtClean="0"/>
-              <a:t>Chunks</a:t>
-            </a:r>
-            <a:r>
-              <a:rPr lang="de-DE" dirty="0" smtClean="0"/>
-              <a:t> der einzelnen Module werden einzeln generiert und die </a:t>
-            </a:r>
-            <a:r>
-              <a:rPr lang="de-DE" dirty="0" err="1" smtClean="0"/>
-              <a:t>Chunks</a:t>
-            </a:r>
-            <a:r>
-              <a:rPr lang="de-DE" dirty="0" smtClean="0"/>
-              <a:t> werden entsprechend überschrieben</a:t>
-            </a:r>
-          </a:p>
-          <a:p>
-            <a:r>
-              <a:rPr lang="de-DE" dirty="0" smtClean="0"/>
-              <a:t>Vorteil: Es muss nicht </a:t>
+              <a:t> und anschließend mit der Funktionalität</a:t>
+            </a:r>
+          </a:p>
+          <a:p>
+            <a:r>
+              <a:rPr lang="de-DE" dirty="0" err="1" smtClean="0"/>
+              <a:t>StubBranch</a:t>
+            </a:r>
+            <a:r>
+              <a:rPr lang="de-DE" dirty="0" smtClean="0"/>
+              <a:t> -&gt; </a:t>
+            </a:r>
+            <a:r>
+              <a:rPr lang="de-DE" dirty="0" err="1" smtClean="0"/>
+              <a:t>Geforked</a:t>
+            </a:r>
+            <a:r>
+              <a:rPr lang="de-DE" dirty="0" smtClean="0"/>
+              <a:t> von Master, bei jeder Änderung am Master </a:t>
+            </a:r>
+            <a:r>
+              <a:rPr lang="de-DE" dirty="0" err="1" smtClean="0"/>
+              <a:t>rebase</a:t>
+            </a:r>
+            <a:r>
+              <a:rPr lang="de-DE" dirty="0" smtClean="0"/>
+              <a:t>, enthält alle </a:t>
+            </a:r>
+            <a:r>
+              <a:rPr lang="de-DE" dirty="0" err="1" smtClean="0"/>
+              <a:t>Stubs</a:t>
+            </a:r>
+            <a:r>
+              <a:rPr lang="de-DE" dirty="0" smtClean="0"/>
+              <a:t> der Module, anlegen neues Feature </a:t>
+            </a:r>
+            <a:r>
+              <a:rPr lang="de-DE" dirty="0" err="1" smtClean="0"/>
+              <a:t>branches</a:t>
+            </a:r>
+            <a:r>
+              <a:rPr lang="de-DE" dirty="0" smtClean="0"/>
+              <a:t> -&gt; nachdem </a:t>
+            </a:r>
+            <a:r>
+              <a:rPr lang="de-DE" dirty="0" err="1" smtClean="0"/>
+              <a:t>Stub</a:t>
+            </a:r>
+            <a:r>
+              <a:rPr lang="de-DE" dirty="0" smtClean="0"/>
+              <a:t> angelegt ist wird der </a:t>
+            </a:r>
+            <a:r>
+              <a:rPr lang="de-DE" dirty="0" err="1" smtClean="0"/>
+              <a:t>Feautre</a:t>
+            </a:r>
+            <a:r>
+              <a:rPr lang="de-DE" dirty="0" smtClean="0"/>
+              <a:t> </a:t>
+            </a:r>
+            <a:r>
+              <a:rPr lang="de-DE" dirty="0" err="1" smtClean="0"/>
+              <a:t>branch</a:t>
+            </a:r>
+            <a:r>
+              <a:rPr lang="de-DE" dirty="0" smtClean="0"/>
+              <a:t> in den </a:t>
+            </a:r>
+            <a:r>
+              <a:rPr lang="de-DE" dirty="0" err="1" smtClean="0"/>
+              <a:t>Stub</a:t>
+            </a:r>
+            <a:r>
+              <a:rPr lang="de-DE" dirty="0" smtClean="0"/>
+              <a:t> </a:t>
+            </a:r>
+            <a:r>
+              <a:rPr lang="de-DE" dirty="0" err="1" smtClean="0"/>
+              <a:t>branch</a:t>
+            </a:r>
+            <a:r>
+              <a:rPr lang="de-DE" dirty="0" smtClean="0"/>
+              <a:t> </a:t>
             </a:r>
             <a:r>
               <a:rPr lang="de-DE" dirty="0" err="1" smtClean="0"/>
               <a:t>gemerged</a:t>
             </a:r>
-            <a:r>
-              <a:rPr lang="de-DE" dirty="0" smtClean="0"/>
-              <a:t> werden</a:t>
-            </a:r>
-          </a:p>
-          <a:p>
-            <a:r>
-              <a:rPr lang="de-DE" dirty="0" smtClean="0"/>
-              <a:t>Das bauen der Hauptmoduls geschieht schneller, da nur die </a:t>
-            </a:r>
-            <a:r>
-              <a:rPr lang="de-DE" dirty="0" err="1" smtClean="0"/>
-              <a:t>Stubs</a:t>
-            </a:r>
-            <a:r>
-              <a:rPr lang="de-DE" dirty="0" smtClean="0"/>
-              <a:t> mit gebaut werden müssen</a:t>
-            </a:r>
-            <a:endParaRPr lang="de-DE" dirty="0"/>
+            <a:endParaRPr lang="de-DE" dirty="0" smtClean="0"/>
           </a:p>
         </p:txBody>
       </p:sp>
     </p:spTree>
     <p:extLst>
       <p:ext uri="{BB962C8B-B14F-4D97-AF65-F5344CB8AC3E}">
-        <p14:creationId xmlns:p14="http://schemas.microsoft.com/office/powerpoint/2010/main" val="4259768398"/>
+        <p14:creationId xmlns:p14="http://schemas.microsoft.com/office/powerpoint/2010/main" val="3297656250"/>
       </p:ext>
     </p:extLst>
   </p:cSld>
@@ -4494,8 +4674,12 @@
           <a:lstStyle/>
           <a:p>
             <a:r>
-              <a:rPr lang="de-DE" dirty="0" smtClean="0"/>
-              <a:t>Alternativer Ablauf erweitert(1)</a:t>
+              <a:rPr lang="de-DE" dirty="0"/>
+              <a:t>Problem </a:t>
+            </a:r>
+            <a:r>
+              <a:rPr lang="de-DE" dirty="0" err="1"/>
+              <a:t>uglifying</a:t>
             </a:r>
             <a:endParaRPr lang="de-DE" dirty="0"/>
           </a:p>
@@ -4518,133 +4702,124 @@
           <a:p>
             <a:r>
               <a:rPr lang="de-DE" dirty="0" smtClean="0"/>
-              <a:t>Masterbranch -&gt; enthält weiterhin die geteilten Services aber keine </a:t>
-            </a:r>
-            <a:r>
-              <a:rPr lang="de-DE" dirty="0" err="1" smtClean="0"/>
-              <a:t>Stubs</a:t>
+              <a:t>Durch das </a:t>
+            </a:r>
+            <a:r>
+              <a:rPr lang="de-DE" dirty="0" err="1" smtClean="0"/>
+              <a:t>uglifying</a:t>
+            </a:r>
+            <a:r>
+              <a:rPr lang="de-DE" dirty="0" smtClean="0"/>
+              <a:t> werden die Namen innerhalb des </a:t>
+            </a:r>
+            <a:r>
+              <a:rPr lang="de-DE" dirty="0" err="1" smtClean="0"/>
+              <a:t>Vendor</a:t>
+            </a:r>
+            <a:r>
+              <a:rPr lang="de-DE" dirty="0" smtClean="0"/>
+              <a:t> </a:t>
+            </a:r>
+            <a:r>
+              <a:rPr lang="de-DE" dirty="0" err="1" smtClean="0"/>
+              <a:t>bundles</a:t>
+            </a:r>
+            <a:r>
+              <a:rPr lang="de-DE" dirty="0" smtClean="0"/>
+              <a:t> durch (zufällig) gewählte Buchstaben ersetzt</a:t>
+            </a:r>
+          </a:p>
+          <a:p>
+            <a:r>
+              <a:rPr lang="de-DE" dirty="0" smtClean="0"/>
+              <a:t>Die Buchstaben unterscheiden sich </a:t>
+            </a:r>
+            <a:r>
+              <a:rPr lang="de-DE" dirty="0" err="1" smtClean="0"/>
+              <a:t>zwsichen</a:t>
+            </a:r>
+            <a:r>
+              <a:rPr lang="de-DE" dirty="0" smtClean="0"/>
+              <a:t> zwei </a:t>
+            </a:r>
+            <a:r>
+              <a:rPr lang="de-DE" dirty="0" err="1" smtClean="0"/>
+              <a:t>Vendor</a:t>
+            </a:r>
+            <a:r>
+              <a:rPr lang="de-DE" dirty="0" smtClean="0"/>
+              <a:t> </a:t>
+            </a:r>
+            <a:r>
+              <a:rPr lang="de-DE" dirty="0" err="1" smtClean="0"/>
+              <a:t>bundles</a:t>
             </a:r>
             <a:endParaRPr lang="de-DE" dirty="0" smtClean="0"/>
           </a:p>
           <a:p>
             <a:r>
-              <a:rPr lang="de-DE" dirty="0" err="1" smtClean="0"/>
-              <a:t>FeatureBranch</a:t>
-            </a:r>
-            <a:r>
-              <a:rPr lang="de-DE" dirty="0" smtClean="0"/>
-              <a:t>-&gt; </a:t>
-            </a:r>
-            <a:r>
-              <a:rPr lang="de-DE" dirty="0" err="1" smtClean="0"/>
-              <a:t>Geforked</a:t>
-            </a:r>
-            <a:r>
-              <a:rPr lang="de-DE" dirty="0" smtClean="0"/>
-              <a:t> von Master, erweitert den Master zuerst mit einem </a:t>
-            </a:r>
-            <a:r>
-              <a:rPr lang="de-DE" dirty="0" err="1" smtClean="0"/>
-              <a:t>Stub</a:t>
-            </a:r>
-            <a:r>
-              <a:rPr lang="de-DE" dirty="0" smtClean="0"/>
-              <a:t> und anschließend mit der Funktionalität</a:t>
-            </a:r>
-          </a:p>
-          <a:p>
-            <a:r>
-              <a:rPr lang="de-DE" dirty="0" err="1" smtClean="0"/>
-              <a:t>StubBranch</a:t>
-            </a:r>
-            <a:r>
-              <a:rPr lang="de-DE" dirty="0" smtClean="0"/>
-              <a:t> -&gt; </a:t>
-            </a:r>
-            <a:r>
-              <a:rPr lang="de-DE" dirty="0" err="1" smtClean="0"/>
-              <a:t>Geforked</a:t>
-            </a:r>
-            <a:r>
-              <a:rPr lang="de-DE" dirty="0" smtClean="0"/>
-              <a:t> von Master, bei jeder Änderung am Master </a:t>
-            </a:r>
-            <a:r>
-              <a:rPr lang="de-DE" dirty="0" err="1" smtClean="0"/>
-              <a:t>rebase</a:t>
-            </a:r>
-            <a:r>
-              <a:rPr lang="de-DE" dirty="0" smtClean="0"/>
-              <a:t>, enthält alle </a:t>
-            </a:r>
-            <a:r>
-              <a:rPr lang="de-DE" dirty="0" err="1" smtClean="0"/>
-              <a:t>Stubs</a:t>
-            </a:r>
-            <a:r>
-              <a:rPr lang="de-DE" dirty="0" smtClean="0"/>
-              <a:t> der Module, anlegen neues Feature </a:t>
-            </a:r>
-            <a:r>
-              <a:rPr lang="de-DE" dirty="0" err="1" smtClean="0"/>
-              <a:t>branches</a:t>
-            </a:r>
-            <a:r>
-              <a:rPr lang="de-DE" dirty="0" smtClean="0"/>
-              <a:t> -&gt; nachdem </a:t>
-            </a:r>
-            <a:r>
-              <a:rPr lang="de-DE" dirty="0" err="1" smtClean="0"/>
-              <a:t>Stub</a:t>
-            </a:r>
-            <a:r>
-              <a:rPr lang="de-DE" dirty="0" smtClean="0"/>
-              <a:t> angelegt ist wird der </a:t>
-            </a:r>
-            <a:r>
-              <a:rPr lang="de-DE" dirty="0" err="1" smtClean="0"/>
-              <a:t>Feautre</a:t>
-            </a:r>
-            <a:r>
-              <a:rPr lang="de-DE" dirty="0" smtClean="0"/>
+              <a:rPr lang="de-DE" dirty="0" smtClean="0">
+                <a:sym typeface="Wingdings" panose="05000000000000000000" pitchFamily="2" charset="2"/>
+              </a:rPr>
+              <a:t> Null Referenzen</a:t>
+            </a:r>
+          </a:p>
+          <a:p>
+            <a:endParaRPr lang="de-DE" dirty="0">
+              <a:sym typeface="Wingdings" panose="05000000000000000000" pitchFamily="2" charset="2"/>
+            </a:endParaRPr>
+          </a:p>
+          <a:p>
+            <a:r>
+              <a:rPr lang="de-DE" dirty="0" smtClean="0">
+                <a:sym typeface="Wingdings" panose="05000000000000000000" pitchFamily="2" charset="2"/>
+              </a:rPr>
+              <a:t>Lösung: </a:t>
+            </a:r>
+            <a:r>
+              <a:rPr lang="de-DE" dirty="0" err="1" smtClean="0">
+                <a:sym typeface="Wingdings" panose="05000000000000000000" pitchFamily="2" charset="2"/>
+              </a:rPr>
+              <a:t>Build</a:t>
+            </a:r>
+            <a:r>
+              <a:rPr lang="de-DE" dirty="0" smtClean="0">
+                <a:sym typeface="Wingdings" panose="05000000000000000000" pitchFamily="2" charset="2"/>
+              </a:rPr>
+              <a:t> nicht mit </a:t>
+            </a:r>
+            <a:r>
+              <a:rPr lang="de-DE" dirty="0" err="1" smtClean="0">
+                <a:sym typeface="Wingdings" panose="05000000000000000000" pitchFamily="2" charset="2"/>
+              </a:rPr>
+              <a:t>Production</a:t>
+            </a:r>
+            <a:r>
+              <a:rPr lang="de-DE" dirty="0" smtClean="0">
+                <a:sym typeface="Wingdings" panose="05000000000000000000" pitchFamily="2" charset="2"/>
+              </a:rPr>
               <a:t> </a:t>
             </a:r>
             <a:r>
-              <a:rPr lang="de-DE" dirty="0" err="1" smtClean="0"/>
-              <a:t>branch</a:t>
-            </a:r>
-            <a:r>
-              <a:rPr lang="de-DE" dirty="0" smtClean="0"/>
-              <a:t> in den </a:t>
-            </a:r>
-            <a:r>
-              <a:rPr lang="de-DE" dirty="0" err="1" smtClean="0"/>
-              <a:t>Stub</a:t>
-            </a:r>
-            <a:r>
-              <a:rPr lang="de-DE" dirty="0" smtClean="0"/>
-              <a:t> </a:t>
-            </a:r>
-            <a:r>
-              <a:rPr lang="de-DE" dirty="0" err="1" smtClean="0"/>
-              <a:t>branch</a:t>
-            </a:r>
-            <a:r>
-              <a:rPr lang="de-DE" dirty="0" smtClean="0"/>
-              <a:t> </a:t>
-            </a:r>
-            <a:r>
-              <a:rPr lang="de-DE" dirty="0" err="1" smtClean="0"/>
-              <a:t>gemerged</a:t>
-            </a:r>
-            <a:endParaRPr lang="de-DE" dirty="0" smtClean="0"/>
+              <a:rPr lang="de-DE" dirty="0" err="1" smtClean="0">
+                <a:sym typeface="Wingdings" panose="05000000000000000000" pitchFamily="2" charset="2"/>
+              </a:rPr>
+              <a:t>flag</a:t>
+            </a:r>
+            <a:r>
+              <a:rPr lang="de-DE" smtClean="0">
+                <a:sym typeface="Wingdings" panose="05000000000000000000" pitchFamily="2" charset="2"/>
+              </a:rPr>
+              <a:t> durchführen</a:t>
+            </a:r>
+            <a:endParaRPr lang="de-DE" dirty="0"/>
           </a:p>
         </p:txBody>
       </p:sp>
     </p:spTree>
     <p:extLst>
       <p:ext uri="{BB962C8B-B14F-4D97-AF65-F5344CB8AC3E}">
-        <p14:creationId xmlns:p14="http://schemas.microsoft.com/office/powerpoint/2010/main" val="3297656250"/>
+        <p14:creationId xmlns:p14="http://schemas.microsoft.com/office/powerpoint/2010/main" val="1537965224"/>
       </p:ext>
     </p:extLst>
   </p:cSld>
@@ -4688,11 +4863,19 @@
           <a:p>
             <a:r>
               <a:rPr lang="de-DE" dirty="0"/>
-              <a:t>Alternativer Ablauf </a:t>
-            </a:r>
-            <a:r>
-              <a:rPr lang="de-DE" dirty="0" smtClean="0"/>
-              <a:t>erweitert(2)</a:t>
+              <a:t>Problem </a:t>
+            </a:r>
+            <a:r>
+              <a:rPr lang="de-DE" dirty="0" err="1"/>
+              <a:t>dependency</a:t>
+            </a:r>
+            <a:r>
+              <a:rPr lang="de-DE" dirty="0"/>
+              <a:t> </a:t>
+            </a:r>
+            <a:r>
+              <a:rPr lang="de-DE" dirty="0" err="1"/>
+              <a:t>injection</a:t>
             </a:r>
             <a:endParaRPr lang="de-DE" dirty="0"/>
           </a:p>
@@ -4715,95 +4898,56 @@
           <a:p>
             <a:r>
               <a:rPr lang="de-DE" dirty="0" smtClean="0"/>
-              <a:t>Nachteil:</a:t>
-            </a:r>
-          </a:p>
-          <a:p>
-            <a:pPr lvl="1"/>
-            <a:r>
-              <a:rPr lang="de-DE" dirty="0" smtClean="0"/>
-              <a:t>Erhöhter Aufwand beim erstellen neuer Features</a:t>
-            </a:r>
-          </a:p>
-          <a:p>
-            <a:pPr lvl="1"/>
-            <a:r>
-              <a:rPr lang="de-DE" dirty="0" smtClean="0"/>
-              <a:t>Erst </a:t>
-            </a:r>
-            <a:r>
-              <a:rPr lang="de-DE" dirty="0" err="1" smtClean="0"/>
-              <a:t>Stub</a:t>
-            </a:r>
-            <a:r>
-              <a:rPr lang="de-DE" dirty="0" smtClean="0"/>
-              <a:t> erstellen dann </a:t>
-            </a:r>
-            <a:r>
-              <a:rPr lang="de-DE" dirty="0" err="1" smtClean="0"/>
-              <a:t>Mergen</a:t>
-            </a:r>
-            <a:r>
-              <a:rPr lang="de-DE" dirty="0" smtClean="0"/>
-              <a:t> etc.</a:t>
-            </a:r>
-          </a:p>
-          <a:p>
-            <a:r>
-              <a:rPr lang="de-DE" dirty="0" smtClean="0"/>
-              <a:t>Vorteil</a:t>
-            </a:r>
-          </a:p>
-          <a:p>
-            <a:pPr lvl="1"/>
-            <a:r>
-              <a:rPr lang="de-DE" dirty="0" err="1" smtClean="0"/>
-              <a:t>Featurebranches</a:t>
-            </a:r>
-            <a:r>
-              <a:rPr lang="de-DE" dirty="0" smtClean="0"/>
-              <a:t> enthalten nicht die </a:t>
-            </a:r>
-            <a:r>
-              <a:rPr lang="de-DE" dirty="0" err="1" smtClean="0"/>
-              <a:t>Stubs</a:t>
-            </a:r>
-            <a:r>
-              <a:rPr lang="de-DE" dirty="0" smtClean="0"/>
-              <a:t> anderer </a:t>
-            </a:r>
-            <a:r>
-              <a:rPr lang="de-DE" dirty="0" err="1" smtClean="0"/>
-              <a:t>Branches</a:t>
-            </a:r>
-            <a:endParaRPr lang="de-DE" dirty="0" smtClean="0"/>
-          </a:p>
-          <a:p>
-            <a:pPr lvl="1"/>
-            <a:r>
-              <a:rPr lang="de-DE" dirty="0" smtClean="0"/>
-              <a:t>Weniger </a:t>
-            </a:r>
-            <a:r>
-              <a:rPr lang="de-DE" dirty="0" err="1" smtClean="0"/>
-              <a:t>overhead</a:t>
-            </a:r>
-            <a:r>
-              <a:rPr lang="de-DE" dirty="0" smtClean="0"/>
-              <a:t> </a:t>
-            </a:r>
-            <a:r>
-              <a:rPr lang="de-DE" smtClean="0"/>
-              <a:t>beim Bauen</a:t>
-            </a:r>
-            <a:endParaRPr lang="de-DE"/>
+              <a:t>Im Hauptmodul muss bekannt sein welche Services </a:t>
+            </a:r>
+            <a:r>
+              <a:rPr lang="de-DE" dirty="0" err="1" smtClean="0"/>
+              <a:t>injected</a:t>
+            </a:r>
+            <a:r>
+              <a:rPr lang="de-DE" dirty="0" smtClean="0"/>
+              <a:t> werden müssen</a:t>
+            </a:r>
+          </a:p>
+          <a:p>
+            <a:r>
+              <a:rPr lang="de-DE" dirty="0" smtClean="0"/>
+              <a:t>Späteres hinzufügen von Services führt zu neuem Bauen des Hauptmoduls</a:t>
+            </a:r>
+          </a:p>
+          <a:p>
+            <a:r>
+              <a:rPr lang="de-DE" smtClean="0"/>
+              <a:t>Dummy-Komponente </a:t>
+            </a:r>
+            <a:r>
+              <a:rPr lang="de-DE" dirty="0" smtClean="0"/>
+              <a:t>in </a:t>
+            </a:r>
+            <a:r>
+              <a:rPr lang="de-DE" dirty="0" err="1" smtClean="0"/>
+              <a:t>Shared</a:t>
+            </a:r>
+            <a:r>
+              <a:rPr lang="de-DE" dirty="0" smtClean="0"/>
+              <a:t> Service, welche alle Services die im System benötigt werden </a:t>
+            </a:r>
+            <a:r>
+              <a:rPr lang="de-DE" dirty="0" err="1" smtClean="0"/>
+              <a:t>injected</a:t>
+            </a:r>
+            <a:r>
+              <a:rPr lang="de-DE" dirty="0" smtClean="0"/>
+              <a:t> bekommt</a:t>
+            </a:r>
+            <a:endParaRPr lang="de-DE" dirty="0"/>
           </a:p>
         </p:txBody>
       </p:sp>
     </p:spTree>
     <p:extLst>
       <p:ext uri="{BB962C8B-B14F-4D97-AF65-F5344CB8AC3E}">
-        <p14:creationId xmlns:p14="http://schemas.microsoft.com/office/powerpoint/2010/main" val="2914773410"/>
+        <p14:creationId xmlns:p14="http://schemas.microsoft.com/office/powerpoint/2010/main" val="133007179"/>
       </p:ext>
     </p:extLst>
   </p:cSld>
@@ -4846,280 +4990,192 @@
           <a:lstStyle/>
           <a:p>
             <a:r>
-              <a:rPr lang="de-DE" dirty="0"/>
-              <a:t>Problem </a:t>
-            </a:r>
-            <a:r>
-              <a:rPr lang="de-DE" dirty="0" err="1"/>
-              <a:t>uglifying</a:t>
+              <a:rPr lang="de-DE" dirty="0" smtClean="0"/>
+              <a:t>Abläufe (</a:t>
+            </a:r>
+            <a:r>
+              <a:rPr lang="de-DE" smtClean="0"/>
+              <a:t>in den PDF-Dateien)</a:t>
             </a:r>
             <a:endParaRPr lang="de-DE" dirty="0"/>
           </a:p>
         </p:txBody>
       </p:sp>
-      <p:sp>
-        <p:nvSpPr>
-          <p:cNvPr id="3" name="Inhaltsplatzhalter 2"/>
-          <p:cNvSpPr>
-            <a:spLocks noGrp="1"/>
-          </p:cNvSpPr>
-          <p:nvPr>
-            <p:ph idx="1"/>
-          </p:nvPr>
-        </p:nvSpPr>
-        <p:spPr/>
-        <p:txBody>
-          <a:bodyPr/>
-          <a:lstStyle/>
-          <a:p>
-            <a:r>
-              <a:rPr lang="de-DE" dirty="0" smtClean="0"/>
-              <a:t>Durch das </a:t>
-            </a:r>
-            <a:r>
-              <a:rPr lang="de-DE" dirty="0" err="1" smtClean="0"/>
-              <a:t>uglifying</a:t>
-            </a:r>
-            <a:r>
-              <a:rPr lang="de-DE" dirty="0" smtClean="0"/>
-              <a:t> werden die Namen innerhalb des </a:t>
-            </a:r>
-            <a:r>
-              <a:rPr lang="de-DE" dirty="0" err="1" smtClean="0"/>
-              <a:t>Vendor</a:t>
-            </a:r>
-            <a:r>
-              <a:rPr lang="de-DE" dirty="0" smtClean="0"/>
-              <a:t> </a:t>
-            </a:r>
-            <a:r>
-              <a:rPr lang="de-DE" dirty="0" err="1" smtClean="0"/>
-              <a:t>bundles</a:t>
-            </a:r>
-            <a:r>
-              <a:rPr lang="de-DE" dirty="0" smtClean="0"/>
-              <a:t> durch (zufällig) gewählte Buchstaben ersetzt</a:t>
-            </a:r>
-          </a:p>
-          <a:p>
-            <a:r>
-              <a:rPr lang="de-DE" dirty="0" smtClean="0"/>
-              <a:t>Die Buchstaben unterscheiden sich </a:t>
-            </a:r>
-            <a:r>
-              <a:rPr lang="de-DE" dirty="0" err="1" smtClean="0"/>
-              <a:t>zwsichen</a:t>
-            </a:r>
-            <a:r>
-              <a:rPr lang="de-DE" dirty="0" smtClean="0"/>
-              <a:t> zwei </a:t>
-            </a:r>
-            <a:r>
-              <a:rPr lang="de-DE" dirty="0" err="1" smtClean="0"/>
-              <a:t>Vendor</a:t>
-            </a:r>
-            <a:r>
-              <a:rPr lang="de-DE" dirty="0" smtClean="0"/>
-              <a:t> </a:t>
-            </a:r>
-            <a:r>
-              <a:rPr lang="de-DE" dirty="0" err="1" smtClean="0"/>
-              <a:t>bundles</a:t>
-            </a:r>
-            <a:endParaRPr lang="de-DE" dirty="0" smtClean="0"/>
-          </a:p>
-          <a:p>
-            <a:r>
-              <a:rPr lang="de-DE" dirty="0" smtClean="0">
-                <a:sym typeface="Wingdings" panose="05000000000000000000" pitchFamily="2" charset="2"/>
-              </a:rPr>
-              <a:t> Null Referenzen</a:t>
-            </a:r>
-          </a:p>
-          <a:p>
-            <a:endParaRPr lang="de-DE" dirty="0">
-              <a:sym typeface="Wingdings" panose="05000000000000000000" pitchFamily="2" charset="2"/>
-            </a:endParaRPr>
-          </a:p>
-          <a:p>
-            <a:r>
-              <a:rPr lang="de-DE" dirty="0" smtClean="0">
-                <a:sym typeface="Wingdings" panose="05000000000000000000" pitchFamily="2" charset="2"/>
-              </a:rPr>
-              <a:t>Lösung: </a:t>
-            </a:r>
-            <a:r>
-              <a:rPr lang="de-DE" dirty="0" err="1" smtClean="0">
-                <a:sym typeface="Wingdings" panose="05000000000000000000" pitchFamily="2" charset="2"/>
-              </a:rPr>
-              <a:t>Build</a:t>
-            </a:r>
-            <a:r>
-              <a:rPr lang="de-DE" dirty="0" smtClean="0">
-                <a:sym typeface="Wingdings" panose="05000000000000000000" pitchFamily="2" charset="2"/>
-              </a:rPr>
-              <a:t> nicht mit </a:t>
-            </a:r>
-            <a:r>
-              <a:rPr lang="de-DE" dirty="0" err="1" smtClean="0">
-                <a:sym typeface="Wingdings" panose="05000000000000000000" pitchFamily="2" charset="2"/>
-              </a:rPr>
-              <a:t>Production</a:t>
-            </a:r>
-            <a:r>
-              <a:rPr lang="de-DE" dirty="0" smtClean="0">
-                <a:sym typeface="Wingdings" panose="05000000000000000000" pitchFamily="2" charset="2"/>
-              </a:rPr>
-              <a:t> </a:t>
-            </a:r>
-            <a:r>
-              <a:rPr lang="de-DE" dirty="0" err="1" smtClean="0">
-                <a:sym typeface="Wingdings" panose="05000000000000000000" pitchFamily="2" charset="2"/>
-              </a:rPr>
-              <a:t>flag</a:t>
-            </a:r>
-            <a:r>
-              <a:rPr lang="de-DE" smtClean="0">
-                <a:sym typeface="Wingdings" panose="05000000000000000000" pitchFamily="2" charset="2"/>
-              </a:rPr>
-              <a:t> durchführen</a:t>
-            </a:r>
-            <a:endParaRPr lang="de-DE" dirty="0"/>
-          </a:p>
-        </p:txBody>
-      </p:sp>
+      <p:graphicFrame>
+        <p:nvGraphicFramePr>
+          <p:cNvPr id="4" name="Objekt 3"/>
+          <p:cNvGraphicFramePr>
+            <a:graphicFrameLocks noChangeAspect="1"/>
+          </p:cNvGraphicFramePr>
+          <p:nvPr>
+            <p:extLst>
+              <p:ext uri="{D42A27DB-BD31-4B8C-83A1-F6EECF244321}">
+                <p14:modId xmlns:p14="http://schemas.microsoft.com/office/powerpoint/2010/main" val="429967697"/>
+              </p:ext>
+            </p:extLst>
+          </p:nvPr>
+        </p:nvGraphicFramePr>
+        <p:xfrm>
+          <a:off x="264640" y="1690688"/>
+          <a:ext cx="1955800" cy="5418137"/>
+        </p:xfrm>
+        <a:graphic>
+          <a:graphicData uri="http://schemas.openxmlformats.org/presentationml/2006/ole">
+            <mc:AlternateContent xmlns:mc="http://schemas.openxmlformats.org/markup-compatibility/2006">
+              <mc:Choice xmlns:v="urn:schemas-microsoft-com:vml" Requires="v">
+                <p:oleObj spid="_x0000_s1029" name="Acrobat Document" r:id="rId3" imgW="5667198" imgH="15697058" progId="AcroExch.Document.11">
+                  <p:embed/>
+                </p:oleObj>
+              </mc:Choice>
+              <mc:Fallback>
+                <p:oleObj name="Acrobat Document" r:id="rId3" imgW="5667198" imgH="15697058" progId="AcroExch.Document.11">
+                  <p:embed/>
+                  <p:pic>
+                    <p:nvPicPr>
+                      <p:cNvPr id="0" name=""/>
+                      <p:cNvPicPr/>
+                      <p:nvPr/>
+                    </p:nvPicPr>
+                    <p:blipFill>
+                      <a:blip r:embed="rId4"/>
+                      <a:stretch>
+                        <a:fillRect/>
+                      </a:stretch>
+                    </p:blipFill>
+                    <p:spPr>
+                      <a:xfrm>
+                        <a:off x="264640" y="1690688"/>
+                        <a:ext cx="1955800" cy="5418137"/>
+                      </a:xfrm>
+                      <a:prstGeom prst="rect">
+                        <a:avLst/>
+                      </a:prstGeom>
+                    </p:spPr>
+                  </p:pic>
+                </p:oleObj>
+              </mc:Fallback>
+            </mc:AlternateContent>
+          </a:graphicData>
+        </a:graphic>
+      </p:graphicFrame>
+      <p:graphicFrame>
+        <p:nvGraphicFramePr>
+          <p:cNvPr id="5" name="Objekt 4"/>
+          <p:cNvGraphicFramePr>
+            <a:graphicFrameLocks noChangeAspect="1"/>
+          </p:cNvGraphicFramePr>
+          <p:nvPr>
+            <p:extLst>
+              <p:ext uri="{D42A27DB-BD31-4B8C-83A1-F6EECF244321}">
+                <p14:modId xmlns:p14="http://schemas.microsoft.com/office/powerpoint/2010/main" val="1435559909"/>
+              </p:ext>
+            </p:extLst>
+          </p:nvPr>
+        </p:nvGraphicFramePr>
+        <p:xfrm>
+          <a:off x="3420076" y="1567120"/>
+          <a:ext cx="3829050" cy="4817204"/>
+        </p:xfrm>
+        <a:graphic>
+          <a:graphicData uri="http://schemas.openxmlformats.org/presentationml/2006/ole">
+            <mc:AlternateContent xmlns:mc="http://schemas.openxmlformats.org/markup-compatibility/2006">
+              <mc:Choice xmlns:v="urn:schemas-microsoft-com:vml" Requires="v">
+                <p:oleObj spid="_x0000_s1030" name="Acrobat Document" r:id="rId5" imgW="5667198" imgH="8020037" progId="AcroExch.Document.11">
+                  <p:embed/>
+                </p:oleObj>
+              </mc:Choice>
+              <mc:Fallback>
+                <p:oleObj name="Acrobat Document" r:id="rId5" imgW="5667198" imgH="8020037" progId="AcroExch.Document.11">
+                  <p:embed/>
+                  <p:pic>
+                    <p:nvPicPr>
+                      <p:cNvPr id="0" name=""/>
+                      <p:cNvPicPr/>
+                      <p:nvPr/>
+                    </p:nvPicPr>
+                    <p:blipFill>
+                      <a:blip r:embed="rId6"/>
+                      <a:stretch>
+                        <a:fillRect/>
+                      </a:stretch>
+                    </p:blipFill>
+                    <p:spPr>
+                      <a:xfrm>
+                        <a:off x="3420076" y="1567120"/>
+                        <a:ext cx="3829050" cy="4817204"/>
+                      </a:xfrm>
+                      <a:prstGeom prst="rect">
+                        <a:avLst/>
+                      </a:prstGeom>
+                    </p:spPr>
+                  </p:pic>
+                </p:oleObj>
+              </mc:Fallback>
+            </mc:AlternateContent>
+          </a:graphicData>
+        </a:graphic>
+      </p:graphicFrame>
+      <p:graphicFrame>
+        <p:nvGraphicFramePr>
+          <p:cNvPr id="7" name="Objekt 6"/>
+          <p:cNvGraphicFramePr>
+            <a:graphicFrameLocks noChangeAspect="1"/>
+          </p:cNvGraphicFramePr>
+          <p:nvPr>
+            <p:extLst>
+              <p:ext uri="{D42A27DB-BD31-4B8C-83A1-F6EECF244321}">
+                <p14:modId xmlns:p14="http://schemas.microsoft.com/office/powerpoint/2010/main" val="4145391114"/>
+              </p:ext>
+            </p:extLst>
+          </p:nvPr>
+        </p:nvGraphicFramePr>
+        <p:xfrm>
+          <a:off x="7852591" y="1690687"/>
+          <a:ext cx="3829050" cy="5418138"/>
+        </p:xfrm>
+        <a:graphic>
+          <a:graphicData uri="http://schemas.openxmlformats.org/presentationml/2006/ole">
+            <mc:AlternateContent xmlns:mc="http://schemas.openxmlformats.org/markup-compatibility/2006">
+              <mc:Choice xmlns:v="urn:schemas-microsoft-com:vml" Requires="v">
+                <p:oleObj spid="_x0000_s1031" name="Acrobat Document" r:id="rId7" imgW="5667198" imgH="8020037" progId="AcroExch.Document.11">
+                  <p:embed/>
+                </p:oleObj>
+              </mc:Choice>
+              <mc:Fallback>
+                <p:oleObj name="Acrobat Document" r:id="rId7" imgW="5667198" imgH="8020037" progId="AcroExch.Document.11">
+                  <p:embed/>
+                  <p:pic>
+                    <p:nvPicPr>
+                      <p:cNvPr id="0" name=""/>
+                      <p:cNvPicPr/>
+                      <p:nvPr/>
+                    </p:nvPicPr>
+                    <p:blipFill>
+                      <a:blip r:embed="rId8"/>
+                      <a:stretch>
+                        <a:fillRect/>
+                      </a:stretch>
+                    </p:blipFill>
+                    <p:spPr>
+                      <a:xfrm>
+                        <a:off x="7852591" y="1690687"/>
+                        <a:ext cx="3829050" cy="5418138"/>
+                      </a:xfrm>
+                      <a:prstGeom prst="rect">
+                        <a:avLst/>
+                      </a:prstGeom>
+                    </p:spPr>
+                  </p:pic>
+                </p:oleObj>
+              </mc:Fallback>
+            </mc:AlternateContent>
+          </a:graphicData>
+        </a:graphic>
+      </p:graphicFrame>
     </p:spTree>
     <p:extLst>
       <p:ext uri="{BB962C8B-B14F-4D97-AF65-F5344CB8AC3E}">
-        <p14:creationId xmlns:p14="http://schemas.microsoft.com/office/powerpoint/2010/main" val="1537965224"/>
-      </p:ext>
-    </p:extLst>
-  </p:cSld>
-  <p:clrMapOvr>
-    <a:masterClrMapping/>
-  </p:clrMapOvr>
-</p:sld>
-</file>
-
-<file path=ppt/slides/slide24.xml><?xml version="1.0" encoding="utf-8"?>
-<p:sld xmlns:a="http://schemas.openxmlformats.org/drawingml/2006/main" xmlns:r="http://schemas.openxmlformats.org/officeDocument/2006/relationships" xmlns:p="http://schemas.openxmlformats.org/presentationml/2006/main">
-  <p:cSld>
-    <p:spTree>
-      <p:nvGrpSpPr>
-        <p:cNvPr id="1" name=""/>
-        <p:cNvGrpSpPr/>
-        <p:nvPr/>
-      </p:nvGrpSpPr>
-      <p:grpSpPr>
-        <a:xfrm>
-          <a:off x="0" y="0"/>
-          <a:ext cx="0" cy="0"/>
-          <a:chOff x="0" y="0"/>
-          <a:chExt cx="0" cy="0"/>
-        </a:xfrm>
-      </p:grpSpPr>
-      <p:sp>
-        <p:nvSpPr>
-          <p:cNvPr id="2" name="Titel 1"/>
-          <p:cNvSpPr>
-            <a:spLocks noGrp="1"/>
-          </p:cNvSpPr>
-          <p:nvPr>
-            <p:ph type="title"/>
-          </p:nvPr>
-        </p:nvSpPr>
-        <p:spPr/>
-        <p:txBody>
-          <a:bodyPr/>
-          <a:lstStyle/>
-          <a:p>
-            <a:r>
-              <a:rPr lang="de-DE" dirty="0"/>
-              <a:t>Problem </a:t>
-            </a:r>
-            <a:r>
-              <a:rPr lang="de-DE" dirty="0" err="1"/>
-              <a:t>dependency</a:t>
-            </a:r>
-            <a:r>
-              <a:rPr lang="de-DE" dirty="0"/>
-              <a:t> </a:t>
-            </a:r>
-            <a:r>
-              <a:rPr lang="de-DE" dirty="0" err="1"/>
-              <a:t>injection</a:t>
-            </a:r>
-            <a:endParaRPr lang="de-DE" dirty="0"/>
-          </a:p>
-        </p:txBody>
-      </p:sp>
-      <p:sp>
-        <p:nvSpPr>
-          <p:cNvPr id="3" name="Inhaltsplatzhalter 2"/>
-          <p:cNvSpPr>
-            <a:spLocks noGrp="1"/>
-          </p:cNvSpPr>
-          <p:nvPr>
-            <p:ph idx="1"/>
-          </p:nvPr>
-        </p:nvSpPr>
-        <p:spPr/>
-        <p:txBody>
-          <a:bodyPr/>
-          <a:lstStyle/>
-          <a:p>
-            <a:r>
-              <a:rPr lang="de-DE" dirty="0" smtClean="0"/>
-              <a:t>Im Hauptmodul muss bekannt sein welche Services </a:t>
-            </a:r>
-            <a:r>
-              <a:rPr lang="de-DE" dirty="0" err="1" smtClean="0"/>
-              <a:t>injected</a:t>
-            </a:r>
-            <a:r>
-              <a:rPr lang="de-DE" dirty="0" smtClean="0"/>
-              <a:t> werden müssen</a:t>
-            </a:r>
-          </a:p>
-          <a:p>
-            <a:r>
-              <a:rPr lang="de-DE" dirty="0" smtClean="0"/>
-              <a:t>Späteres hinzufügen von Services führt zu neuem Bauen des Hauptmoduls</a:t>
-            </a:r>
-          </a:p>
-          <a:p>
-            <a:r>
-              <a:rPr lang="de-DE" smtClean="0"/>
-              <a:t>Dummy-Komponente </a:t>
-            </a:r>
-            <a:r>
-              <a:rPr lang="de-DE" dirty="0" smtClean="0"/>
-              <a:t>in </a:t>
-            </a:r>
-            <a:r>
-              <a:rPr lang="de-DE" dirty="0" err="1" smtClean="0"/>
-              <a:t>Shared</a:t>
-            </a:r>
-            <a:r>
-              <a:rPr lang="de-DE" dirty="0" smtClean="0"/>
-              <a:t> Service, welche alle Services die im System benötigt werden </a:t>
-            </a:r>
-            <a:r>
-              <a:rPr lang="de-DE" dirty="0" err="1" smtClean="0"/>
-              <a:t>injected</a:t>
-            </a:r>
-            <a:r>
-              <a:rPr lang="de-DE" dirty="0" smtClean="0"/>
-              <a:t> bekommt</a:t>
-            </a:r>
-            <a:endParaRPr lang="de-DE" dirty="0"/>
-          </a:p>
-        </p:txBody>
-      </p:sp>
-    </p:spTree>
-    <p:extLst>
-      <p:ext uri="{BB962C8B-B14F-4D97-AF65-F5344CB8AC3E}">
-        <p14:creationId xmlns:p14="http://schemas.microsoft.com/office/powerpoint/2010/main" val="133007179"/>
+        <p14:creationId xmlns:p14="http://schemas.microsoft.com/office/powerpoint/2010/main" val="3560044733"/>
       </p:ext>
     </p:extLst>
   </p:cSld>
@@ -5287,8 +5343,32 @@
           <a:lstStyle/>
           <a:p>
             <a:r>
-              <a:rPr lang="de-DE" dirty="0" smtClean="0"/>
-              <a:t>Erstellung eines neuen Moduls</a:t>
+              <a:rPr lang="en-US" dirty="0" err="1" smtClean="0"/>
+              <a:t>Entwicklung</a:t>
+            </a:r>
+            <a:r>
+              <a:rPr lang="en-US" dirty="0" smtClean="0"/>
+              <a:t> </a:t>
+            </a:r>
+            <a:r>
+              <a:rPr lang="en-US" dirty="0" err="1" smtClean="0"/>
+              <a:t>innerhalb</a:t>
+            </a:r>
+            <a:r>
+              <a:rPr lang="en-US" dirty="0" smtClean="0"/>
+              <a:t> </a:t>
+            </a:r>
+            <a:r>
+              <a:rPr lang="en-US" dirty="0" err="1" smtClean="0"/>
+              <a:t>eines</a:t>
+            </a:r>
+            <a:r>
+              <a:rPr lang="en-US" dirty="0" smtClean="0"/>
+              <a:t> </a:t>
+            </a:r>
+            <a:r>
+              <a:rPr lang="en-US" dirty="0" err="1" smtClean="0"/>
+              <a:t>Moduls</a:t>
             </a:r>
             <a:endParaRPr lang="de-DE" dirty="0"/>
           </a:p>
@@ -5310,88 +5390,290 @@
           <a:lstStyle/>
           <a:p>
             <a:r>
-              <a:rPr lang="de-DE" dirty="0" smtClean="0"/>
-              <a:t>Anlegen eines neuen </a:t>
-            </a:r>
-            <a:r>
-              <a:rPr lang="de-DE" dirty="0" err="1" smtClean="0"/>
-              <a:t>Branches</a:t>
-            </a:r>
-            <a:r>
-              <a:rPr lang="de-DE" dirty="0" smtClean="0"/>
-              <a:t> (</a:t>
-            </a:r>
-            <a:r>
-              <a:rPr lang="de-DE" dirty="0" err="1" smtClean="0"/>
-              <a:t>geforked</a:t>
-            </a:r>
-            <a:r>
-              <a:rPr lang="de-DE" dirty="0" smtClean="0"/>
-              <a:t> vom Master)</a:t>
-            </a:r>
+              <a:rPr lang="en-US" dirty="0" smtClean="0"/>
+              <a:t>Team </a:t>
+            </a:r>
+            <a:r>
+              <a:rPr lang="en-US" dirty="0" err="1" smtClean="0"/>
+              <a:t>kann</a:t>
+            </a:r>
+            <a:r>
+              <a:rPr lang="en-US" dirty="0" smtClean="0"/>
+              <a:t> </a:t>
+            </a:r>
+            <a:r>
+              <a:rPr lang="en-US" dirty="0" err="1" smtClean="0"/>
+              <a:t>innerhalb</a:t>
+            </a:r>
+            <a:r>
+              <a:rPr lang="en-US" dirty="0" smtClean="0"/>
+              <a:t> des Angular </a:t>
+            </a:r>
+            <a:r>
+              <a:rPr lang="en-US" dirty="0" err="1" smtClean="0"/>
+              <a:t>Moduls</a:t>
+            </a:r>
+            <a:r>
+              <a:rPr lang="en-US" dirty="0" smtClean="0"/>
+              <a:t> </a:t>
+            </a:r>
+            <a:r>
+              <a:rPr lang="en-US" dirty="0" err="1" smtClean="0"/>
+              <a:t>beliebige</a:t>
+            </a:r>
+            <a:r>
+              <a:rPr lang="en-US" dirty="0"/>
+              <a:t> </a:t>
+            </a:r>
+            <a:r>
+              <a:rPr lang="en-US" dirty="0" err="1" smtClean="0"/>
+              <a:t>Änderungen</a:t>
+            </a:r>
+            <a:r>
+              <a:rPr lang="en-US" dirty="0" smtClean="0"/>
+              <a:t> </a:t>
+            </a:r>
+            <a:r>
+              <a:rPr lang="en-US" dirty="0" err="1" smtClean="0"/>
+              <a:t>vornehmen</a:t>
+            </a:r>
+            <a:endParaRPr lang="en-US" dirty="0" smtClean="0"/>
           </a:p>
           <a:p>
             <a:pPr lvl="1"/>
             <a:r>
-              <a:rPr lang="de-DE" dirty="0" smtClean="0"/>
-              <a:t>Enthält den Anwendungsrahmen und die geteilten Dienste</a:t>
-            </a:r>
-          </a:p>
-          <a:p>
-            <a:r>
-              <a:rPr lang="de-DE" dirty="0" smtClean="0"/>
-              <a:t>Erstellen des neuen Moduls und definieren aller Abhängigkeiten</a:t>
-            </a:r>
-          </a:p>
-          <a:p>
-            <a:r>
-              <a:rPr lang="de-DE" dirty="0" smtClean="0"/>
-              <a:t>Eintragen in die Routen der Hauptmoduls</a:t>
-            </a:r>
-          </a:p>
-          <a:p>
-            <a:r>
-              <a:rPr lang="de-DE" dirty="0" smtClean="0"/>
-              <a:t>Falls neue Abhängigkeiten zum System hinzukommen =&gt; Neubau aller Module</a:t>
-            </a:r>
-          </a:p>
-          <a:p>
-            <a:r>
-              <a:rPr lang="de-DE" dirty="0" smtClean="0"/>
-              <a:t>Falls keine neuen Abhängigkeiten hinzukommen muss nur das </a:t>
-            </a:r>
-            <a:r>
-              <a:rPr lang="de-DE" dirty="0" err="1" smtClean="0"/>
-              <a:t>mainbundle</a:t>
-            </a:r>
-            <a:r>
-              <a:rPr lang="de-DE" dirty="0"/>
+              <a:rPr lang="en-US" dirty="0" err="1" smtClean="0"/>
+              <a:t>Keine</a:t>
+            </a:r>
+            <a:r>
+              <a:rPr lang="en-US" dirty="0" smtClean="0"/>
               <a:t> </a:t>
             </a:r>
             <a:r>
-              <a:rPr lang="de-DE" dirty="0" smtClean="0"/>
-              <a:t>und das neue Modul gebaut werden</a:t>
-            </a:r>
+              <a:rPr lang="en-US" dirty="0" err="1" smtClean="0"/>
+              <a:t>neuen</a:t>
+            </a:r>
+            <a:r>
+              <a:rPr lang="en-US" dirty="0" smtClean="0"/>
+              <a:t> </a:t>
+            </a:r>
+            <a:r>
+              <a:rPr lang="en-US" dirty="0" err="1" smtClean="0"/>
+              <a:t>Thirdparty-Biblitheken</a:t>
+            </a:r>
+            <a:r>
+              <a:rPr lang="en-US" dirty="0" smtClean="0"/>
+              <a:t> </a:t>
+            </a:r>
+            <a:r>
+              <a:rPr lang="en-US" dirty="0" err="1" smtClean="0"/>
+              <a:t>einbinden</a:t>
+            </a:r>
+            <a:r>
+              <a:rPr lang="en-US" dirty="0" smtClean="0"/>
+              <a:t> =&gt; </a:t>
+            </a:r>
+            <a:r>
+              <a:rPr lang="en-US" dirty="0" err="1" smtClean="0"/>
+              <a:t>Immer</a:t>
+            </a:r>
+            <a:r>
+              <a:rPr lang="en-US" dirty="0" smtClean="0"/>
+              <a:t> </a:t>
+            </a:r>
+            <a:r>
+              <a:rPr lang="en-US" dirty="0" err="1" smtClean="0"/>
+              <a:t>über</a:t>
+            </a:r>
+            <a:r>
+              <a:rPr lang="en-US" dirty="0" smtClean="0"/>
+              <a:t> Master Branch </a:t>
+            </a:r>
+            <a:r>
+              <a:rPr lang="en-US" dirty="0" err="1" smtClean="0"/>
+              <a:t>einbinden</a:t>
+            </a:r>
+            <a:r>
+              <a:rPr lang="en-US" dirty="0" smtClean="0"/>
+              <a:t>, </a:t>
+            </a:r>
+            <a:r>
+              <a:rPr lang="en-US" dirty="0" err="1" smtClean="0"/>
+              <a:t>damit</a:t>
+            </a:r>
+            <a:r>
+              <a:rPr lang="en-US" dirty="0" smtClean="0"/>
+              <a:t> </a:t>
+            </a:r>
+            <a:r>
+              <a:rPr lang="en-US" dirty="0" err="1" smtClean="0"/>
+              <a:t>es</a:t>
+            </a:r>
+            <a:r>
+              <a:rPr lang="en-US" dirty="0" smtClean="0"/>
+              <a:t> </a:t>
+            </a:r>
+            <a:r>
+              <a:rPr lang="en-US" dirty="0" err="1" smtClean="0"/>
+              <a:t>nicht</a:t>
+            </a:r>
+            <a:r>
+              <a:rPr lang="en-US" dirty="0" smtClean="0"/>
+              <a:t> </a:t>
+            </a:r>
+            <a:r>
+              <a:rPr lang="en-US" dirty="0" err="1" smtClean="0"/>
+              <a:t>zu</a:t>
+            </a:r>
+            <a:r>
+              <a:rPr lang="en-US" dirty="0" smtClean="0"/>
+              <a:t> </a:t>
+            </a:r>
+            <a:r>
+              <a:rPr lang="en-US" dirty="0" err="1" smtClean="0"/>
+              <a:t>inkonsistenzen</a:t>
+            </a:r>
+            <a:r>
+              <a:rPr lang="en-US" dirty="0" smtClean="0"/>
+              <a:t> </a:t>
+            </a:r>
+            <a:r>
+              <a:rPr lang="en-US" dirty="0" err="1" smtClean="0"/>
+              <a:t>im</a:t>
+            </a:r>
+            <a:r>
+              <a:rPr lang="en-US" dirty="0" smtClean="0"/>
+              <a:t> </a:t>
+            </a:r>
+            <a:r>
+              <a:rPr lang="en-US" dirty="0" err="1" smtClean="0"/>
+              <a:t>Vendorbundle</a:t>
+            </a:r>
+            <a:r>
+              <a:rPr lang="en-US" dirty="0" smtClean="0"/>
+              <a:t> </a:t>
+            </a:r>
+            <a:r>
+              <a:rPr lang="en-US" dirty="0" err="1" smtClean="0"/>
+              <a:t>kommt</a:t>
+            </a:r>
+            <a:endParaRPr lang="en-US" dirty="0" smtClean="0"/>
+          </a:p>
+          <a:p>
+            <a:pPr lvl="1"/>
+            <a:r>
+              <a:rPr lang="en-US" dirty="0" err="1" smtClean="0"/>
+              <a:t>Ablauf</a:t>
+            </a:r>
+            <a:r>
+              <a:rPr lang="en-US" dirty="0" smtClean="0"/>
+              <a:t>: </a:t>
+            </a:r>
+            <a:r>
+              <a:rPr lang="en-US" dirty="0" err="1" smtClean="0"/>
+              <a:t>Im</a:t>
+            </a:r>
+            <a:r>
+              <a:rPr lang="en-US" dirty="0" smtClean="0"/>
+              <a:t> Master </a:t>
+            </a:r>
+            <a:r>
+              <a:rPr lang="en-US" dirty="0" err="1" smtClean="0"/>
+              <a:t>neue</a:t>
+            </a:r>
+            <a:r>
+              <a:rPr lang="en-US" dirty="0" smtClean="0"/>
+              <a:t> </a:t>
+            </a:r>
+            <a:r>
+              <a:rPr lang="en-US" dirty="0" err="1" smtClean="0"/>
+              <a:t>Bibliothek</a:t>
+            </a:r>
+            <a:r>
+              <a:rPr lang="en-US" dirty="0" smtClean="0"/>
+              <a:t> </a:t>
+            </a:r>
+            <a:r>
+              <a:rPr lang="en-US" dirty="0" err="1" smtClean="0"/>
+              <a:t>einfügen</a:t>
+            </a:r>
+            <a:r>
+              <a:rPr lang="en-US" dirty="0" smtClean="0"/>
+              <a:t> -&gt; Rebase des feature branches -&gt; </a:t>
+            </a:r>
+            <a:r>
+              <a:rPr lang="en-US" dirty="0" err="1" smtClean="0"/>
+              <a:t>Arbeiten</a:t>
+            </a:r>
+            <a:r>
+              <a:rPr lang="en-US" dirty="0" smtClean="0"/>
+              <a:t> auf </a:t>
+            </a:r>
+            <a:r>
+              <a:rPr lang="en-US" dirty="0" err="1" smtClean="0"/>
+              <a:t>dem</a:t>
+            </a:r>
+            <a:r>
+              <a:rPr lang="en-US" dirty="0" smtClean="0"/>
+              <a:t> Features branch </a:t>
+            </a:r>
+            <a:r>
+              <a:rPr lang="en-US" dirty="0" err="1" smtClean="0"/>
+              <a:t>mit</a:t>
+            </a:r>
+            <a:r>
+              <a:rPr lang="en-US" dirty="0" smtClean="0"/>
+              <a:t> </a:t>
+            </a:r>
+            <a:r>
+              <a:rPr lang="en-US" dirty="0" err="1" smtClean="0"/>
+              <a:t>neuen</a:t>
+            </a:r>
+            <a:r>
+              <a:rPr lang="en-US" dirty="0" smtClean="0"/>
+              <a:t> </a:t>
+            </a:r>
+            <a:r>
+              <a:rPr lang="en-US" dirty="0" err="1" smtClean="0"/>
+              <a:t>Bibliothek</a:t>
+            </a:r>
+            <a:endParaRPr lang="en-US" dirty="0" smtClean="0"/>
+          </a:p>
+          <a:p>
+            <a:r>
+              <a:rPr lang="en-US" dirty="0" err="1" smtClean="0"/>
+              <a:t>Neue</a:t>
+            </a:r>
+            <a:r>
+              <a:rPr lang="en-US" dirty="0" smtClean="0"/>
+              <a:t> </a:t>
+            </a:r>
+            <a:r>
+              <a:rPr lang="en-US" dirty="0" err="1" smtClean="0"/>
+              <a:t>Komponenten</a:t>
+            </a:r>
+            <a:r>
+              <a:rPr lang="en-US" dirty="0" smtClean="0"/>
+              <a:t>, Services etc. </a:t>
+            </a:r>
+            <a:r>
+              <a:rPr lang="en-US" dirty="0" err="1" smtClean="0"/>
+              <a:t>unproblematisch</a:t>
+            </a:r>
+            <a:endParaRPr lang="en-US" dirty="0" smtClean="0"/>
           </a:p>
         </p:txBody>
       </p:sp>
     </p:spTree>
     <p:extLst>
       <p:ext uri="{BB962C8B-B14F-4D97-AF65-F5344CB8AC3E}">
-        <p14:creationId xmlns:p14="http://schemas.microsoft.com/office/powerpoint/2010/main" val="1213026151"/>
+        <p14:creationId xmlns:p14="http://schemas.microsoft.com/office/powerpoint/2010/main" val="1179180657"/>
       </p:ext>
     </p:extLst>
   </p:cSld>
   <p:clrMapOvr>
     <a:masterClrMapping/>
   </p:clrMapOvr>
-  <p:timing>
-    <p:tnLst>
-      <p:par>
-        <p:cTn id="1" dur="indefinite" restart="never" nodeType="tmRoot"/>
-      </p:par>
-    </p:tnLst>
-  </p:timing>
 </p:sld>
 </file>
 
@@ -5412,129 +5694,59 @@
           <a:chExt cx="0" cy="0"/>
         </a:xfrm>
       </p:grpSpPr>
-      <p:pic>
-        <p:nvPicPr>
-          <p:cNvPr id="4" name="Inhaltsplatzhalter 3"/>
-          <p:cNvPicPr>
-            <a:picLocks noGrp="1" noChangeAspect="1"/>
-          </p:cNvPicPr>
+      <p:sp>
+        <p:nvSpPr>
+          <p:cNvPr id="2" name="Titel 1"/>
+          <p:cNvSpPr>
+            <a:spLocks noGrp="1"/>
+          </p:cNvSpPr>
+          <p:nvPr>
+            <p:ph type="title"/>
+          </p:nvPr>
+        </p:nvSpPr>
+        <p:spPr/>
+        <p:txBody>
+          <a:bodyPr/>
+          <a:lstStyle/>
+          <a:p>
+            <a:r>
+              <a:rPr lang="de-DE" dirty="0" smtClean="0"/>
+              <a:t>Entwicklung einzelner Komponenten</a:t>
+            </a:r>
+            <a:endParaRPr lang="de-DE" dirty="0"/>
+          </a:p>
+        </p:txBody>
+      </p:sp>
+      <p:sp>
+        <p:nvSpPr>
+          <p:cNvPr id="3" name="Inhaltsplatzhalter 2"/>
+          <p:cNvSpPr>
+            <a:spLocks noGrp="1"/>
+          </p:cNvSpPr>
           <p:nvPr>
             <p:ph idx="1"/>
           </p:nvPr>
-        </p:nvPicPr>
-        <p:blipFill>
-          <a:blip r:embed="rId2">
-            <a:extLst>
-              <a:ext uri="{28A0092B-C50C-407E-A947-70E740481C1C}">
-                <a14:useLocalDpi xmlns:a14="http://schemas.microsoft.com/office/drawing/2010/main" val="0"/>
-              </a:ext>
-            </a:extLst>
-          </a:blip>
-          <a:stretch>
-            <a:fillRect/>
-          </a:stretch>
-        </p:blipFill>
-        <p:spPr>
-          <a:xfrm>
-            <a:off x="168444" y="180703"/>
-            <a:ext cx="7987334" cy="5988239"/>
-          </a:xfrm>
-        </p:spPr>
-      </p:pic>
-      <p:sp>
-        <p:nvSpPr>
-          <p:cNvPr id="5" name="Textfeld 4"/>
-          <p:cNvSpPr txBox="1"/>
-          <p:nvPr/>
-        </p:nvSpPr>
-        <p:spPr>
-          <a:xfrm>
-            <a:off x="8213558" y="385011"/>
-            <a:ext cx="3785937" cy="4801314"/>
-          </a:xfrm>
-          <a:prstGeom prst="rect">
-            <a:avLst/>
-          </a:prstGeom>
-          <a:noFill/>
-        </p:spPr>
-        <p:txBody>
-          <a:bodyPr wrap="square" rtlCol="0">
-            <a:spAutoFit/>
-          </a:bodyPr>
-          <a:lstStyle/>
-          <a:p>
-            <a:r>
-              <a:rPr lang="de-DE" dirty="0" smtClean="0"/>
-              <a:t>Neue </a:t>
-            </a:r>
-            <a:r>
-              <a:rPr lang="de-DE" dirty="0" err="1" smtClean="0"/>
-              <a:t>Thirdparty</a:t>
-            </a:r>
-            <a:r>
-              <a:rPr lang="de-DE" dirty="0" smtClean="0"/>
-              <a:t>-Bibliothek hinzugekommen</a:t>
-            </a:r>
-          </a:p>
-          <a:p>
-            <a:r>
-              <a:rPr lang="de-DE" dirty="0" smtClean="0"/>
-              <a:t>Hierdurch wird das </a:t>
-            </a:r>
-            <a:r>
-              <a:rPr lang="de-DE" dirty="0" err="1" smtClean="0"/>
-              <a:t>Vendor</a:t>
-            </a:r>
-            <a:r>
-              <a:rPr lang="de-DE" dirty="0" smtClean="0"/>
-              <a:t>-Bundle verändert</a:t>
-            </a:r>
-          </a:p>
-          <a:p>
-            <a:r>
-              <a:rPr lang="de-DE" dirty="0" smtClean="0"/>
-              <a:t>Die einzelnen Variablen im </a:t>
-            </a:r>
-            <a:r>
-              <a:rPr lang="de-DE" dirty="0" err="1" smtClean="0"/>
-              <a:t>Vendor</a:t>
-            </a:r>
-            <a:r>
-              <a:rPr lang="de-DE" dirty="0" smtClean="0"/>
-              <a:t>-Bundle ändern ihren Namen</a:t>
-            </a:r>
-          </a:p>
-          <a:p>
-            <a:r>
-              <a:rPr lang="de-DE" dirty="0" smtClean="0"/>
-              <a:t>Referenzen aus den Usermodulen auf das </a:t>
-            </a:r>
-            <a:r>
-              <a:rPr lang="de-DE" dirty="0" err="1" smtClean="0"/>
-              <a:t>Vendor</a:t>
-            </a:r>
-            <a:r>
-              <a:rPr lang="de-DE" dirty="0" smtClean="0"/>
-              <a:t>-Bundle sind nicht mehr gültig</a:t>
-            </a:r>
-          </a:p>
-          <a:p>
-            <a:r>
-              <a:rPr lang="de-DE" dirty="0" smtClean="0"/>
-              <a:t>Neubau der gesamten Anwendung, damit die Referenzen auch angepasst werden</a:t>
-            </a:r>
-          </a:p>
-          <a:p>
-            <a:endParaRPr lang="de-DE" dirty="0"/>
-          </a:p>
-          <a:p>
-            <a:r>
-              <a:rPr lang="de-DE" dirty="0" smtClean="0"/>
-              <a:t>Referenzen bleiben erhalten wenn man die Anwendung nicht im </a:t>
-            </a:r>
-            <a:r>
-              <a:rPr lang="de-DE" dirty="0" err="1" smtClean="0"/>
-              <a:t>production</a:t>
+        </p:nvSpPr>
+        <p:spPr/>
+        <p:txBody>
+          <a:bodyPr/>
+          <a:lstStyle/>
+          <a:p>
+            <a:r>
+              <a:rPr lang="de-DE" dirty="0" smtClean="0"/>
+              <a:t>Anzeige des aktuellen Zustands in </a:t>
+            </a:r>
+            <a:r>
+              <a:rPr lang="de-DE" dirty="0" err="1" smtClean="0"/>
+              <a:t>Electron</a:t>
+            </a:r>
+            <a:r>
+              <a:rPr lang="de-DE" dirty="0" smtClean="0"/>
+              <a:t> über </a:t>
+            </a:r>
+            <a:r>
+              <a:rPr lang="de-DE" dirty="0" err="1" smtClean="0"/>
+              <a:t>yarn</a:t>
             </a:r>
             <a:r>
               <a:rPr lang="de-DE" dirty="0" smtClean="0"/>
@@ -5542,11 +5754,78 @@
             </a:r>
             <a:r>
               <a:rPr lang="de-DE" dirty="0" err="1" smtClean="0"/>
+              <a:t>start</a:t>
+            </a:r>
+            <a:endParaRPr lang="de-DE" dirty="0" smtClean="0"/>
+          </a:p>
+          <a:p>
+            <a:pPr lvl="1"/>
+            <a:r>
+              <a:rPr lang="de-DE" dirty="0" smtClean="0"/>
+              <a:t>Initiales bauen der gesamten Anwendung und starten</a:t>
+            </a:r>
+          </a:p>
+          <a:p>
+            <a:r>
+              <a:rPr lang="de-DE" dirty="0" smtClean="0"/>
+              <a:t>Änderungen in der Komponente vornehmen</a:t>
+            </a:r>
+          </a:p>
+          <a:p>
+            <a:r>
+              <a:rPr lang="de-DE" dirty="0" smtClean="0"/>
+              <a:t>Bauen des Angular Teils über </a:t>
+            </a:r>
+            <a:r>
+              <a:rPr lang="de-DE" dirty="0" err="1" smtClean="0"/>
+              <a:t>ng</a:t>
+            </a:r>
+            <a:r>
+              <a:rPr lang="de-DE" dirty="0" smtClean="0"/>
+              <a:t> </a:t>
+            </a:r>
+            <a:r>
+              <a:rPr lang="de-DE" dirty="0" err="1" smtClean="0"/>
               <a:t>build</a:t>
             </a:r>
             <a:r>
               <a:rPr lang="de-DE" dirty="0" smtClean="0"/>
-              <a:t> baut. Somit ist dieses Problem umgangen.</a:t>
+              <a:t> / </a:t>
+            </a:r>
+            <a:r>
+              <a:rPr lang="de-DE" dirty="0" err="1" smtClean="0"/>
+              <a:t>yarn</a:t>
+            </a:r>
+            <a:r>
+              <a:rPr lang="de-DE" dirty="0" smtClean="0"/>
+              <a:t> </a:t>
+            </a:r>
+            <a:r>
+              <a:rPr lang="de-DE" dirty="0" err="1" smtClean="0"/>
+              <a:t>build:app</a:t>
+            </a:r>
+            <a:endParaRPr lang="de-DE" dirty="0" smtClean="0"/>
+          </a:p>
+          <a:p>
+            <a:r>
+              <a:rPr lang="de-DE" dirty="0" smtClean="0"/>
+              <a:t>Refresh über </a:t>
+            </a:r>
+            <a:r>
+              <a:rPr lang="de-DE" dirty="0" err="1" smtClean="0"/>
+              <a:t>Electron</a:t>
+            </a:r>
+            <a:r>
+              <a:rPr lang="de-DE" dirty="0" smtClean="0"/>
+              <a:t> </a:t>
+            </a:r>
+            <a:r>
+              <a:rPr lang="de-DE" dirty="0"/>
+              <a:t>M</a:t>
+            </a:r>
+            <a:r>
+              <a:rPr lang="de-DE" dirty="0" smtClean="0"/>
+              <a:t>enü =&gt; Änderungen sind direkt sichtbar</a:t>
             </a:r>
           </a:p>
         </p:txBody>
@@ -5554,20 +5833,13 @@
     </p:spTree>
     <p:extLst>
       <p:ext uri="{BB962C8B-B14F-4D97-AF65-F5344CB8AC3E}">
-        <p14:creationId xmlns:p14="http://schemas.microsoft.com/office/powerpoint/2010/main" val="1619697131"/>
+        <p14:creationId xmlns:p14="http://schemas.microsoft.com/office/powerpoint/2010/main" val="2797362046"/>
       </p:ext>
     </p:extLst>
   </p:cSld>
   <p:clrMapOvr>
     <a:masterClrMapping/>
   </p:clrMapOvr>
-  <p:timing>
-    <p:tnLst>
-      <p:par>
-        <p:cTn id="1" dur="indefinite" restart="never" nodeType="tmRoot"/>
-      </p:par>
-    </p:tnLst>
-  </p:timing>
 </p:sld>
 </file>
 
@@ -5604,32 +5876,8 @@
           <a:lstStyle/>
           <a:p>
             <a:r>
-              <a:rPr lang="en-US" dirty="0" err="1" smtClean="0"/>
-              <a:t>Entwicklung</a:t>
-            </a:r>
-            <a:r>
-              <a:rPr lang="en-US" dirty="0" smtClean="0"/>
-              <a:t> </a:t>
-            </a:r>
-            <a:r>
-              <a:rPr lang="en-US" dirty="0" err="1" smtClean="0"/>
-              <a:t>innerhalb</a:t>
-            </a:r>
-            <a:r>
-              <a:rPr lang="en-US" dirty="0" smtClean="0"/>
-              <a:t> </a:t>
-            </a:r>
-            <a:r>
-              <a:rPr lang="en-US" dirty="0" err="1" smtClean="0"/>
-              <a:t>eines</a:t>
-            </a:r>
-            <a:r>
-              <a:rPr lang="en-US" dirty="0" smtClean="0"/>
-              <a:t> </a:t>
-            </a:r>
-            <a:r>
-              <a:rPr lang="en-US" dirty="0" err="1" smtClean="0"/>
-              <a:t>Moduls</a:t>
+              <a:rPr lang="de-DE" dirty="0" smtClean="0"/>
+              <a:t>Anpassen global genutzter Services/ Third Party Bibliotheken</a:t>
             </a:r>
             <a:endParaRPr lang="de-DE" dirty="0"/>
           </a:p>
@@ -5651,284 +5899,49 @@
           <a:lstStyle/>
           <a:p>
             <a:r>
-              <a:rPr lang="en-US" dirty="0" smtClean="0"/>
-              <a:t>Team </a:t>
-            </a:r>
-            <a:r>
-              <a:rPr lang="en-US" dirty="0" err="1" smtClean="0"/>
-              <a:t>kann</a:t>
-            </a:r>
-            <a:r>
-              <a:rPr lang="en-US" dirty="0" smtClean="0"/>
-              <a:t> </a:t>
-            </a:r>
-            <a:r>
-              <a:rPr lang="en-US" dirty="0" err="1" smtClean="0"/>
-              <a:t>innerhalb</a:t>
-            </a:r>
-            <a:r>
-              <a:rPr lang="en-US" dirty="0" smtClean="0"/>
-              <a:t> des Angular </a:t>
-            </a:r>
-            <a:r>
-              <a:rPr lang="en-US" dirty="0" err="1" smtClean="0"/>
-              <a:t>Moduls</a:t>
-            </a:r>
-            <a:r>
-              <a:rPr lang="en-US" dirty="0" smtClean="0"/>
-              <a:t> </a:t>
-            </a:r>
-            <a:r>
-              <a:rPr lang="en-US" dirty="0" err="1" smtClean="0"/>
-              <a:t>beliebige</a:t>
-            </a:r>
-            <a:r>
-              <a:rPr lang="en-US" dirty="0"/>
-              <a:t> </a:t>
-            </a:r>
-            <a:r>
-              <a:rPr lang="en-US" dirty="0" err="1" smtClean="0"/>
-              <a:t>Änderungen</a:t>
-            </a:r>
-            <a:r>
-              <a:rPr lang="en-US" dirty="0" smtClean="0"/>
-              <a:t> </a:t>
-            </a:r>
-            <a:r>
-              <a:rPr lang="en-US" dirty="0" err="1" smtClean="0"/>
-              <a:t>vornehmen</a:t>
-            </a:r>
-            <a:endParaRPr lang="en-US" dirty="0" smtClean="0"/>
-          </a:p>
-          <a:p>
-            <a:pPr lvl="1"/>
-            <a:r>
-              <a:rPr lang="en-US" dirty="0" err="1" smtClean="0"/>
-              <a:t>Keine</a:t>
-            </a:r>
-            <a:r>
-              <a:rPr lang="en-US" dirty="0" smtClean="0"/>
-              <a:t> </a:t>
-            </a:r>
-            <a:r>
-              <a:rPr lang="en-US" dirty="0" err="1" smtClean="0"/>
-              <a:t>neuen</a:t>
-            </a:r>
-            <a:r>
-              <a:rPr lang="en-US" dirty="0" smtClean="0"/>
-              <a:t> </a:t>
-            </a:r>
-            <a:r>
-              <a:rPr lang="en-US" dirty="0" err="1" smtClean="0"/>
-              <a:t>Thirdparty-Biblitheken</a:t>
-            </a:r>
-            <a:r>
-              <a:rPr lang="en-US" dirty="0" smtClean="0"/>
-              <a:t> </a:t>
-            </a:r>
-            <a:r>
-              <a:rPr lang="en-US" dirty="0" err="1" smtClean="0"/>
-              <a:t>einbinden</a:t>
-            </a:r>
-            <a:r>
-              <a:rPr lang="en-US" dirty="0" smtClean="0"/>
-              <a:t> =&gt; </a:t>
-            </a:r>
-            <a:r>
-              <a:rPr lang="en-US" dirty="0" err="1" smtClean="0"/>
-              <a:t>Immer</a:t>
-            </a:r>
-            <a:r>
-              <a:rPr lang="en-US" dirty="0" smtClean="0"/>
-              <a:t> </a:t>
-            </a:r>
-            <a:r>
-              <a:rPr lang="en-US" dirty="0" err="1" smtClean="0"/>
-              <a:t>über</a:t>
-            </a:r>
-            <a:r>
-              <a:rPr lang="en-US" dirty="0" smtClean="0"/>
-              <a:t> Master Branch </a:t>
-            </a:r>
-            <a:r>
-              <a:rPr lang="en-US" dirty="0" err="1" smtClean="0"/>
-              <a:t>einbinden</a:t>
-            </a:r>
-            <a:r>
-              <a:rPr lang="en-US" dirty="0" smtClean="0"/>
-              <a:t>, </a:t>
-            </a:r>
-            <a:r>
-              <a:rPr lang="en-US" dirty="0" err="1" smtClean="0"/>
-              <a:t>damit</a:t>
-            </a:r>
-            <a:r>
-              <a:rPr lang="en-US" dirty="0" smtClean="0"/>
-              <a:t> </a:t>
-            </a:r>
-            <a:r>
-              <a:rPr lang="en-US" dirty="0" err="1" smtClean="0"/>
-              <a:t>es</a:t>
-            </a:r>
-            <a:r>
-              <a:rPr lang="en-US" dirty="0" smtClean="0"/>
-              <a:t> </a:t>
-            </a:r>
-            <a:r>
-              <a:rPr lang="en-US" dirty="0" err="1" smtClean="0"/>
-              <a:t>nicht</a:t>
-            </a:r>
-            <a:r>
-              <a:rPr lang="en-US" dirty="0" smtClean="0"/>
-              <a:t> </a:t>
-            </a:r>
-            <a:r>
-              <a:rPr lang="en-US" dirty="0" err="1" smtClean="0"/>
-              <a:t>zu</a:t>
-            </a:r>
-            <a:r>
-              <a:rPr lang="en-US" dirty="0" smtClean="0"/>
-              <a:t> </a:t>
-            </a:r>
-            <a:r>
-              <a:rPr lang="en-US" dirty="0" err="1" smtClean="0"/>
-              <a:t>inkonsistenzen</a:t>
-            </a:r>
-            <a:r>
-              <a:rPr lang="en-US" dirty="0" smtClean="0"/>
-              <a:t> </a:t>
-            </a:r>
-            <a:r>
-              <a:rPr lang="en-US" dirty="0" err="1" smtClean="0"/>
-              <a:t>im</a:t>
-            </a:r>
-            <a:r>
-              <a:rPr lang="en-US" dirty="0" smtClean="0"/>
-              <a:t> </a:t>
-            </a:r>
-            <a:r>
-              <a:rPr lang="en-US" dirty="0" err="1" smtClean="0"/>
-              <a:t>Vendorbundle</a:t>
-            </a:r>
-            <a:r>
-              <a:rPr lang="en-US" dirty="0" smtClean="0"/>
-              <a:t> </a:t>
-            </a:r>
-            <a:r>
-              <a:rPr lang="en-US" dirty="0" err="1" smtClean="0"/>
-              <a:t>kommt</a:t>
-            </a:r>
-            <a:endParaRPr lang="en-US" dirty="0" smtClean="0"/>
-          </a:p>
-          <a:p>
-            <a:pPr lvl="1"/>
-            <a:r>
-              <a:rPr lang="en-US" dirty="0" err="1" smtClean="0"/>
-              <a:t>Ablauf</a:t>
-            </a:r>
-            <a:r>
-              <a:rPr lang="en-US" dirty="0" smtClean="0"/>
-              <a:t>: </a:t>
-            </a:r>
-            <a:r>
-              <a:rPr lang="en-US" dirty="0" err="1" smtClean="0"/>
-              <a:t>Im</a:t>
-            </a:r>
-            <a:r>
-              <a:rPr lang="en-US" dirty="0" smtClean="0"/>
-              <a:t> Master </a:t>
-            </a:r>
-            <a:r>
-              <a:rPr lang="en-US" dirty="0" err="1" smtClean="0"/>
-              <a:t>neue</a:t>
-            </a:r>
-            <a:r>
-              <a:rPr lang="en-US" dirty="0" smtClean="0"/>
-              <a:t> </a:t>
-            </a:r>
-            <a:r>
-              <a:rPr lang="en-US" dirty="0" err="1" smtClean="0"/>
-              <a:t>Bibliothek</a:t>
-            </a:r>
-            <a:r>
-              <a:rPr lang="en-US" dirty="0" smtClean="0"/>
-              <a:t> </a:t>
-            </a:r>
-            <a:r>
-              <a:rPr lang="en-US" dirty="0" err="1" smtClean="0"/>
-              <a:t>einfügen</a:t>
-            </a:r>
-            <a:r>
-              <a:rPr lang="en-US" dirty="0" smtClean="0"/>
-              <a:t> -&gt; Rebase des feature branches -&gt; </a:t>
-            </a:r>
-            <a:r>
-              <a:rPr lang="en-US" dirty="0" err="1" smtClean="0"/>
-              <a:t>Arbeiten</a:t>
-            </a:r>
-            <a:r>
-              <a:rPr lang="en-US" dirty="0" smtClean="0"/>
-              <a:t> auf </a:t>
-            </a:r>
-            <a:r>
-              <a:rPr lang="en-US" dirty="0" err="1" smtClean="0"/>
-              <a:t>dem</a:t>
-            </a:r>
-            <a:r>
-              <a:rPr lang="en-US" dirty="0" smtClean="0"/>
-              <a:t> Features branch </a:t>
-            </a:r>
-            <a:r>
-              <a:rPr lang="en-US" dirty="0" err="1" smtClean="0"/>
-              <a:t>mit</a:t>
-            </a:r>
-            <a:r>
-              <a:rPr lang="en-US" dirty="0" smtClean="0"/>
-              <a:t> </a:t>
-            </a:r>
-            <a:r>
-              <a:rPr lang="en-US" dirty="0" err="1" smtClean="0"/>
-              <a:t>neuen</a:t>
-            </a:r>
-            <a:r>
-              <a:rPr lang="en-US" dirty="0" smtClean="0"/>
-              <a:t> </a:t>
-            </a:r>
-            <a:r>
-              <a:rPr lang="en-US" dirty="0" err="1" smtClean="0"/>
-              <a:t>Bibliothek</a:t>
-            </a:r>
-            <a:endParaRPr lang="en-US" dirty="0" smtClean="0"/>
-          </a:p>
-          <a:p>
-            <a:r>
-              <a:rPr lang="en-US" dirty="0" err="1" smtClean="0"/>
-              <a:t>Neue</a:t>
-            </a:r>
-            <a:r>
-              <a:rPr lang="en-US" dirty="0" smtClean="0"/>
-              <a:t> </a:t>
-            </a:r>
-            <a:r>
-              <a:rPr lang="en-US" dirty="0" err="1" smtClean="0"/>
-              <a:t>Komponenten</a:t>
-            </a:r>
-            <a:r>
-              <a:rPr lang="en-US" dirty="0" smtClean="0"/>
-              <a:t>, Services etc. </a:t>
-            </a:r>
-            <a:r>
-              <a:rPr lang="en-US" dirty="0" err="1" smtClean="0"/>
-              <a:t>unproblematisch</a:t>
-            </a:r>
-            <a:endParaRPr lang="en-US" dirty="0" smtClean="0"/>
+              <a:rPr lang="de-DE" dirty="0" smtClean="0"/>
+              <a:t>Anpassen des Master </a:t>
+            </a:r>
+            <a:r>
+              <a:rPr lang="de-DE" dirty="0" err="1" smtClean="0"/>
+              <a:t>branches</a:t>
+            </a:r>
+            <a:r>
+              <a:rPr lang="de-DE" dirty="0" smtClean="0"/>
+              <a:t> -&gt; Einbinden der Bibliotheken, Erstellen der Services</a:t>
+            </a:r>
+          </a:p>
+          <a:p>
+            <a:r>
+              <a:rPr lang="de-DE" dirty="0" err="1" smtClean="0"/>
+              <a:t>Rebase</a:t>
+            </a:r>
+            <a:r>
+              <a:rPr lang="de-DE" dirty="0" smtClean="0"/>
+              <a:t> der </a:t>
+            </a:r>
+            <a:r>
+              <a:rPr lang="de-DE" dirty="0" err="1" smtClean="0"/>
+              <a:t>Branches</a:t>
+            </a:r>
+            <a:r>
+              <a:rPr lang="de-DE" dirty="0" smtClean="0"/>
+              <a:t> welche die neuen Services/Bibliotheken brauchen</a:t>
+            </a:r>
+          </a:p>
+          <a:p>
+            <a:r>
+              <a:rPr lang="de-DE" dirty="0" smtClean="0"/>
+              <a:t>Einzelne Komponenten haben nun Zugriff auf die neuen Dienste</a:t>
+            </a:r>
+            <a:endParaRPr lang="de-DE" dirty="0"/>
           </a:p>
         </p:txBody>
       </p:sp>
     </p:spTree>
     <p:extLst>
       <p:ext uri="{BB962C8B-B14F-4D97-AF65-F5344CB8AC3E}">
-        <p14:creationId xmlns:p14="http://schemas.microsoft.com/office/powerpoint/2010/main" val="1179180657"/>
+        <p14:creationId xmlns:p14="http://schemas.microsoft.com/office/powerpoint/2010/main" val="5236007"/>
       </p:ext>
     </p:extLst>
   </p:cSld>
@@ -5971,8 +5984,12 @@
           <a:lstStyle/>
           <a:p>
             <a:r>
-              <a:rPr lang="de-DE" dirty="0" smtClean="0"/>
-              <a:t>Entwicklung einzelner Komponenten</a:t>
+              <a:rPr lang="de-DE" dirty="0" err="1" smtClean="0"/>
+              <a:t>Commons</a:t>
+            </a:r>
+            <a:r>
+              <a:rPr lang="de-DE" dirty="0" smtClean="0"/>
+              <a:t> Module Problematik</a:t>
             </a:r>
             <a:endParaRPr lang="de-DE" dirty="0"/>
           </a:p>
@@ -5995,106 +6012,50 @@
           <a:p>
             <a:r>
               <a:rPr lang="de-DE" dirty="0" smtClean="0"/>
-              <a:t>Anzeige des aktuellen Zustands in </a:t>
-            </a:r>
-            <a:r>
-              <a:rPr lang="de-DE" dirty="0" err="1" smtClean="0"/>
-              <a:t>Electron</a:t>
-            </a:r>
-            <a:r>
-              <a:rPr lang="de-DE" dirty="0" smtClean="0"/>
-              <a:t> über </a:t>
-            </a:r>
-            <a:r>
-              <a:rPr lang="de-DE" dirty="0" err="1" smtClean="0"/>
-              <a:t>yarn</a:t>
+              <a:t>Wenn mehrere Module die gleiche Abhängigkeit haben, kann es sein, dass diese Abhängigkeit in ein </a:t>
+            </a:r>
+            <a:r>
+              <a:rPr lang="de-DE" dirty="0" err="1" smtClean="0"/>
+              <a:t>Commons</a:t>
+            </a:r>
+            <a:r>
+              <a:rPr lang="de-DE" dirty="0" smtClean="0"/>
+              <a:t> Module ausgelagert wird</a:t>
+            </a:r>
+          </a:p>
+          <a:p>
+            <a:r>
+              <a:rPr lang="de-DE" dirty="0" smtClean="0"/>
+              <a:t>Es entstehen Probleme, wenn man anschließend nur Teil der Anwendung baut =&gt; Inkonsistenzen zwischen verschiedenen </a:t>
+            </a:r>
+            <a:r>
+              <a:rPr lang="de-DE" dirty="0" err="1" smtClean="0"/>
+              <a:t>Vendor</a:t>
+            </a:r>
+            <a:r>
+              <a:rPr lang="de-DE" dirty="0" smtClean="0"/>
+              <a:t> und </a:t>
+            </a:r>
+            <a:r>
+              <a:rPr lang="de-DE" dirty="0" err="1" smtClean="0"/>
+              <a:t>Commons</a:t>
             </a:r>
             <a:r>
               <a:rPr lang="de-DE" dirty="0" smtClean="0"/>
               <a:t> </a:t>
             </a:r>
             <a:r>
-              <a:rPr lang="de-DE" dirty="0" err="1" smtClean="0"/>
-              <a:t>start</a:t>
+              <a:rPr lang="de-DE" dirty="0" smtClean="0"/>
+              <a:t>Modulen</a:t>
             </a:r>
             <a:endParaRPr lang="de-DE" dirty="0" smtClean="0"/>
-          </a:p>
-          <a:p>
-            <a:pPr lvl="1"/>
-            <a:r>
-              <a:rPr lang="de-DE" dirty="0" smtClean="0"/>
-              <a:t>Initiales bauen der gesamten Anwendung und starten</a:t>
-            </a:r>
-          </a:p>
-          <a:p>
-            <a:r>
-              <a:rPr lang="de-DE" dirty="0" smtClean="0"/>
-              <a:t>Änderungen in der Komponente vornehmen</a:t>
-            </a:r>
-          </a:p>
-          <a:p>
-            <a:r>
-              <a:rPr lang="de-DE" dirty="0" smtClean="0"/>
-              <a:t>Bauen des Angular Teils über </a:t>
-            </a:r>
-            <a:r>
-              <a:rPr lang="de-DE" dirty="0" err="1" smtClean="0"/>
-              <a:t>ng</a:t>
-            </a:r>
-            <a:r>
-              <a:rPr lang="de-DE" dirty="0" smtClean="0"/>
-              <a:t> </a:t>
-            </a:r>
-            <a:r>
-              <a:rPr lang="de-DE" dirty="0" err="1" smtClean="0"/>
-              <a:t>build</a:t>
-            </a:r>
-            <a:r>
-              <a:rPr lang="de-DE" dirty="0" smtClean="0"/>
-              <a:t> / </a:t>
-            </a:r>
-            <a:r>
-              <a:rPr lang="de-DE" dirty="0" err="1" smtClean="0"/>
-              <a:t>yarn</a:t>
-            </a:r>
-            <a:r>
-              <a:rPr lang="de-DE" dirty="0" smtClean="0"/>
-              <a:t> </a:t>
-            </a:r>
-            <a:r>
-              <a:rPr lang="de-DE" dirty="0" err="1" smtClean="0"/>
-              <a:t>build:app</a:t>
-            </a:r>
-            <a:endParaRPr lang="de-DE" dirty="0" smtClean="0"/>
-          </a:p>
-          <a:p>
-            <a:r>
-              <a:rPr lang="de-DE" dirty="0" smtClean="0"/>
-              <a:t>Refresh über </a:t>
-            </a:r>
-            <a:r>
-              <a:rPr lang="de-DE" dirty="0" err="1" smtClean="0"/>
-              <a:t>Electron</a:t>
-            </a:r>
-            <a:r>
-              <a:rPr lang="de-DE" dirty="0" smtClean="0"/>
-              <a:t> </a:t>
-            </a:r>
-            <a:r>
-              <a:rPr lang="de-DE" dirty="0"/>
-              <a:t>M</a:t>
-            </a:r>
-            <a:r>
-              <a:rPr lang="de-DE" dirty="0" smtClean="0"/>
-              <a:t>enü =&gt; Änderungen sind direkt sichtbar</a:t>
-            </a:r>
           </a:p>
         </p:txBody>
       </p:sp>
     </p:spTree>
     <p:extLst>
       <p:ext uri="{BB962C8B-B14F-4D97-AF65-F5344CB8AC3E}">
-        <p14:creationId xmlns:p14="http://schemas.microsoft.com/office/powerpoint/2010/main" val="2797362046"/>
+        <p14:creationId xmlns:p14="http://schemas.microsoft.com/office/powerpoint/2010/main" val="2099187329"/>
       </p:ext>
     </p:extLst>
   </p:cSld>
@@ -6137,72 +6098,51 @@
           <a:lstStyle/>
           <a:p>
             <a:r>
-              <a:rPr lang="de-DE" dirty="0" smtClean="0"/>
-              <a:t>Anpassen global genutzter Services/ Third Party Bibliotheken</a:t>
+              <a:rPr lang="de-DE" dirty="0" err="1" smtClean="0"/>
+              <a:t>Commons</a:t>
+            </a:r>
+            <a:r>
+              <a:rPr lang="de-DE" dirty="0" smtClean="0"/>
+              <a:t> Module Problematik</a:t>
             </a:r>
             <a:endParaRPr lang="de-DE" dirty="0"/>
           </a:p>
         </p:txBody>
       </p:sp>
-      <p:sp>
-        <p:nvSpPr>
-          <p:cNvPr id="3" name="Inhaltsplatzhalter 2"/>
-          <p:cNvSpPr>
-            <a:spLocks noGrp="1"/>
-          </p:cNvSpPr>
-          <p:nvPr>
-            <p:ph idx="1"/>
-          </p:nvPr>
-        </p:nvSpPr>
-        <p:spPr/>
-        <p:txBody>
-          <a:bodyPr/>
-          <a:lstStyle/>
-          <a:p>
-            <a:r>
-              <a:rPr lang="de-DE" dirty="0" smtClean="0"/>
-              <a:t>Anpassen des Master </a:t>
-            </a:r>
-            <a:r>
-              <a:rPr lang="de-DE" dirty="0" err="1" smtClean="0"/>
-              <a:t>branches</a:t>
-            </a:r>
-            <a:r>
-              <a:rPr lang="de-DE" dirty="0" smtClean="0"/>
-              <a:t> -&gt; Einbinden der Bibliotheken, Erstellen der Services</a:t>
-            </a:r>
-          </a:p>
-          <a:p>
-            <a:r>
-              <a:rPr lang="de-DE" dirty="0" err="1" smtClean="0"/>
-              <a:t>Rebase</a:t>
-            </a:r>
-            <a:r>
-              <a:rPr lang="de-DE" dirty="0" smtClean="0"/>
-              <a:t> der </a:t>
-            </a:r>
-            <a:r>
-              <a:rPr lang="de-DE" dirty="0" err="1" smtClean="0"/>
-              <a:t>Branches</a:t>
-            </a:r>
-            <a:r>
-              <a:rPr lang="de-DE" dirty="0" smtClean="0"/>
-              <a:t> welche die neuen Services/Bibliotheken brauchen</a:t>
-            </a:r>
-          </a:p>
-          <a:p>
-            <a:r>
-              <a:rPr lang="de-DE" dirty="0" smtClean="0"/>
-              <a:t>Einzelne Komponenten haben nun Zugriff auf die neuen Dienste</a:t>
-            </a:r>
-            <a:endParaRPr lang="de-DE" dirty="0"/>
-          </a:p>
-        </p:txBody>
-      </p:sp>
+      <p:pic>
+        <p:nvPicPr>
+          <p:cNvPr id="5" name="Grafik 4"/>
+          <p:cNvPicPr>
+            <a:picLocks noChangeAspect="1"/>
+          </p:cNvPicPr>
+          <p:nvPr/>
+        </p:nvPicPr>
+        <p:blipFill>
+          <a:blip r:embed="rId2">
+            <a:extLst>
+              <a:ext uri="{28A0092B-C50C-407E-A947-70E740481C1C}">
+                <a14:useLocalDpi xmlns:a14="http://schemas.microsoft.com/office/drawing/2010/main" val="0"/>
+              </a:ext>
+            </a:extLst>
+          </a:blip>
+          <a:stretch>
+            <a:fillRect/>
+          </a:stretch>
+        </p:blipFill>
+        <p:spPr>
+          <a:xfrm>
+            <a:off x="963827" y="1398968"/>
+            <a:ext cx="7186060" cy="5216197"/>
+          </a:xfrm>
+          <a:prstGeom prst="rect">
+            <a:avLst/>
+          </a:prstGeom>
+        </p:spPr>
+      </p:pic>
     </p:spTree>
     <p:extLst>
       <p:ext uri="{BB962C8B-B14F-4D97-AF65-F5344CB8AC3E}">
-        <p14:creationId xmlns:p14="http://schemas.microsoft.com/office/powerpoint/2010/main" val="5236007"/>
+        <p14:creationId xmlns:p14="http://schemas.microsoft.com/office/powerpoint/2010/main" val="3651849168"/>
       </p:ext>
     </p:extLst>
   </p:cSld>
@@ -6273,21 +6213,47 @@
           <a:p>
             <a:r>
               <a:rPr lang="de-DE" dirty="0" smtClean="0"/>
-              <a:t>Wenn mehrere Module die gleiche Abhängigkeit haben, kann es sein, dass diese Abhängigkeit in ein </a:t>
-            </a:r>
-            <a:r>
-              <a:rPr lang="de-DE" dirty="0" err="1" smtClean="0"/>
-              <a:t>Commons</a:t>
-            </a:r>
-            <a:r>
-              <a:rPr lang="de-DE" dirty="0" smtClean="0"/>
-              <a:t> Module ausgelagert wird</a:t>
-            </a:r>
-          </a:p>
-          <a:p>
-            <a:r>
-              <a:rPr lang="de-DE" dirty="0" smtClean="0"/>
-              <a:t>Es entstehen Probleme, wenn man anschließend nur Teil der Anwendung baut =&gt; Inkonsistenzen zwischen verschiedenen </a:t>
+              <a:t>Entstehende Probleme:</a:t>
+            </a:r>
+          </a:p>
+          <a:p>
+            <a:pPr lvl="1"/>
+            <a:r>
+              <a:rPr lang="de-DE" dirty="0" smtClean="0"/>
+              <a:t>Um ein einzelnes Modul neue zu bauen und in die Gesamtanwendung zu integrieren muss es zusammen mit allen anderen Modulen gebaut werden</a:t>
+            </a:r>
+          </a:p>
+          <a:p>
+            <a:pPr lvl="1"/>
+            <a:r>
+              <a:rPr lang="de-DE" dirty="0" smtClean="0"/>
+              <a:t>Anschließend kann der einzelne </a:t>
+            </a:r>
+            <a:r>
+              <a:rPr lang="de-DE" dirty="0" err="1" smtClean="0"/>
+              <a:t>Chunk</a:t>
+            </a:r>
+            <a:r>
+              <a:rPr lang="de-DE" dirty="0" smtClean="0"/>
+              <a:t> ausgetauscht werden</a:t>
+            </a:r>
+          </a:p>
+          <a:p>
+            <a:pPr lvl="1"/>
+            <a:r>
+              <a:rPr lang="de-DE" dirty="0" smtClean="0"/>
+              <a:t>Alle anderen Module werden mit gebaut obwohl sich nichts an ihnen </a:t>
+            </a:r>
+            <a:r>
+              <a:rPr lang="de-DE" dirty="0" smtClean="0"/>
+              <a:t>ändert</a:t>
+            </a:r>
+          </a:p>
+          <a:p>
+            <a:pPr lvl="1"/>
+            <a:r>
+              <a:rPr lang="de-DE" dirty="0" smtClean="0"/>
+              <a:t>Die einzelnen Versionen verweisen auf unterschiedliche </a:t>
             </a:r>
             <a:r>
               <a:rPr lang="de-DE" dirty="0" err="1" smtClean="0"/>
@@ -6295,60 +6261,16 @@
             </a:r>
             <a:r>
               <a:rPr lang="de-DE" dirty="0" smtClean="0"/>
-              <a:t> und </a:t>
-            </a:r>
-            <a:r>
-              <a:rPr lang="de-DE" dirty="0" err="1" smtClean="0"/>
-              <a:t>Commons</a:t>
-            </a:r>
-            <a:r>
-              <a:rPr lang="de-DE" dirty="0" smtClean="0"/>
-              <a:t> Modulen</a:t>
-            </a:r>
-          </a:p>
-          <a:p>
-            <a:r>
-              <a:rPr lang="de-DE" dirty="0" smtClean="0"/>
-              <a:t>Eine Mögliche Lösung wäre es alle Bibliotheken über ein </a:t>
-            </a:r>
-            <a:r>
-              <a:rPr lang="de-DE" dirty="0" err="1" smtClean="0"/>
-              <a:t>SharedModul</a:t>
-            </a:r>
-            <a:r>
-              <a:rPr lang="de-DE" dirty="0" smtClean="0"/>
-              <a:t> einzubinden und dieses in den anderen Modulen zu importieren</a:t>
-            </a:r>
-          </a:p>
-          <a:p>
-            <a:r>
-              <a:rPr lang="de-DE" dirty="0" smtClean="0"/>
-              <a:t>Im </a:t>
-            </a:r>
-            <a:r>
-              <a:rPr lang="de-DE" dirty="0" err="1" smtClean="0"/>
-              <a:t>SharedModul</a:t>
-            </a:r>
-            <a:r>
-              <a:rPr lang="de-DE" dirty="0" smtClean="0"/>
-              <a:t> hätte man somit auch einen überblick über alle </a:t>
-            </a:r>
-            <a:r>
-              <a:rPr lang="de-DE" dirty="0" err="1" smtClean="0"/>
-              <a:t>ThirdParty</a:t>
-            </a:r>
-            <a:r>
-              <a:rPr lang="de-DE" dirty="0" smtClean="0"/>
-              <a:t> Bibliotheken</a:t>
-            </a:r>
-            <a:endParaRPr lang="de-DE" dirty="0"/>
+              <a:t>/Common-Bundles wodurch sie inkompatibel zu einander werden</a:t>
+            </a:r>
+            <a:endParaRPr lang="de-DE" dirty="0" smtClean="0"/>
           </a:p>
         </p:txBody>
       </p:sp>
     </p:spTree>
     <p:extLst>
       <p:ext uri="{BB962C8B-B14F-4D97-AF65-F5344CB8AC3E}">
-        <p14:creationId xmlns:p14="http://schemas.microsoft.com/office/powerpoint/2010/main" val="2099187329"/>
+        <p14:creationId xmlns:p14="http://schemas.microsoft.com/office/powerpoint/2010/main" val="3987340784"/>
       </p:ext>
     </p:extLst>
   </p:cSld>
